--- a/Unterlagen/8_Präsentation/Präsentation_G6.pptx
+++ b/Unterlagen/8_Präsentation/Präsentation_G6.pptx
@@ -6,6 +6,9 @@
   </p:sldMasterIdLst>
   <p:sldIdLst>
     <p:sldId id="256" r:id="rId2"/>
+    <p:sldId id="257" r:id="rId3"/>
+    <p:sldId id="258" r:id="rId4"/>
+    <p:sldId id="259" r:id="rId5"/>
   </p:sldIdLst>
   <p:sldSz cx="12192000" cy="6858000"/>
   <p:notesSz cx="6858000" cy="9144000"/>
@@ -104,6 +107,11 @@
       </a:defRPr>
     </a:lvl9pPr>
   </p:defaultTextStyle>
+  <p:extLst>
+    <p:ext uri="{EFAFB233-063F-42B5-8137-9DF3F51BA10A}">
+      <p15:sldGuideLst xmlns:p15="http://schemas.microsoft.com/office/powerpoint/2012/main"/>
+    </p:ext>
+  </p:extLst>
 </p:presentation>
 </file>
 
@@ -254,7 +262,7 @@
           <a:p>
             <a:fld id="{C53E453F-5AE7-7B40-8B97-CCB947F208CB}" type="datetimeFigureOut">
               <a:rPr lang="de-DE" smtClean="0"/>
-              <a:t>21.11.19</a:t>
+              <a:t>04.12.19</a:t>
             </a:fld>
             <a:endParaRPr lang="de-DE"/>
           </a:p>
@@ -452,7 +460,7 @@
           <a:p>
             <a:fld id="{C53E453F-5AE7-7B40-8B97-CCB947F208CB}" type="datetimeFigureOut">
               <a:rPr lang="de-DE" smtClean="0"/>
-              <a:t>21.11.19</a:t>
+              <a:t>04.12.19</a:t>
             </a:fld>
             <a:endParaRPr lang="de-DE"/>
           </a:p>
@@ -660,7 +668,7 @@
           <a:p>
             <a:fld id="{C53E453F-5AE7-7B40-8B97-CCB947F208CB}" type="datetimeFigureOut">
               <a:rPr lang="de-DE" smtClean="0"/>
-              <a:t>21.11.19</a:t>
+              <a:t>04.12.19</a:t>
             </a:fld>
             <a:endParaRPr lang="de-DE"/>
           </a:p>
@@ -858,7 +866,7 @@
           <a:p>
             <a:fld id="{C53E453F-5AE7-7B40-8B97-CCB947F208CB}" type="datetimeFigureOut">
               <a:rPr lang="de-DE" smtClean="0"/>
-              <a:t>21.11.19</a:t>
+              <a:t>04.12.19</a:t>
             </a:fld>
             <a:endParaRPr lang="de-DE"/>
           </a:p>
@@ -1133,7 +1141,7 @@
           <a:p>
             <a:fld id="{C53E453F-5AE7-7B40-8B97-CCB947F208CB}" type="datetimeFigureOut">
               <a:rPr lang="de-DE" smtClean="0"/>
-              <a:t>21.11.19</a:t>
+              <a:t>04.12.19</a:t>
             </a:fld>
             <a:endParaRPr lang="de-DE"/>
           </a:p>
@@ -1398,7 +1406,7 @@
           <a:p>
             <a:fld id="{C53E453F-5AE7-7B40-8B97-CCB947F208CB}" type="datetimeFigureOut">
               <a:rPr lang="de-DE" smtClean="0"/>
-              <a:t>21.11.19</a:t>
+              <a:t>04.12.19</a:t>
             </a:fld>
             <a:endParaRPr lang="de-DE"/>
           </a:p>
@@ -1810,7 +1818,7 @@
           <a:p>
             <a:fld id="{C53E453F-5AE7-7B40-8B97-CCB947F208CB}" type="datetimeFigureOut">
               <a:rPr lang="de-DE" smtClean="0"/>
-              <a:t>21.11.19</a:t>
+              <a:t>04.12.19</a:t>
             </a:fld>
             <a:endParaRPr lang="de-DE"/>
           </a:p>
@@ -1951,7 +1959,7 @@
           <a:p>
             <a:fld id="{C53E453F-5AE7-7B40-8B97-CCB947F208CB}" type="datetimeFigureOut">
               <a:rPr lang="de-DE" smtClean="0"/>
-              <a:t>21.11.19</a:t>
+              <a:t>04.12.19</a:t>
             </a:fld>
             <a:endParaRPr lang="de-DE"/>
           </a:p>
@@ -2064,7 +2072,7 @@
           <a:p>
             <a:fld id="{C53E453F-5AE7-7B40-8B97-CCB947F208CB}" type="datetimeFigureOut">
               <a:rPr lang="de-DE" smtClean="0"/>
-              <a:t>21.11.19</a:t>
+              <a:t>04.12.19</a:t>
             </a:fld>
             <a:endParaRPr lang="de-DE"/>
           </a:p>
@@ -2375,7 +2383,7 @@
           <a:p>
             <a:fld id="{C53E453F-5AE7-7B40-8B97-CCB947F208CB}" type="datetimeFigureOut">
               <a:rPr lang="de-DE" smtClean="0"/>
-              <a:t>21.11.19</a:t>
+              <a:t>04.12.19</a:t>
             </a:fld>
             <a:endParaRPr lang="de-DE"/>
           </a:p>
@@ -2663,7 +2671,7 @@
           <a:p>
             <a:fld id="{C53E453F-5AE7-7B40-8B97-CCB947F208CB}" type="datetimeFigureOut">
               <a:rPr lang="de-DE" smtClean="0"/>
-              <a:t>21.11.19</a:t>
+              <a:t>04.12.19</a:t>
             </a:fld>
             <a:endParaRPr lang="de-DE"/>
           </a:p>
@@ -2904,7 +2912,7 @@
           <a:p>
             <a:fld id="{C53E453F-5AE7-7B40-8B97-CCB947F208CB}" type="datetimeFigureOut">
               <a:rPr lang="de-DE" smtClean="0"/>
-              <a:t>21.11.19</a:t>
+              <a:t>04.12.19</a:t>
             </a:fld>
             <a:endParaRPr lang="de-DE"/>
           </a:p>
@@ -3342,7 +3350,10 @@
           <a:bodyPr/>
           <a:lstStyle/>
           <a:p>
-            <a:endParaRPr lang="de-DE"/>
+            <a:r>
+              <a:rPr lang="de-DE" dirty="0"/>
+              <a:t>Time4You</a:t>
+            </a:r>
           </a:p>
         </p:txBody>
       </p:sp>
@@ -3375,6 +3386,255 @@
     <p:extLst>
       <p:ext uri="{BB962C8B-B14F-4D97-AF65-F5344CB8AC3E}">
         <p14:creationId xmlns:p14="http://schemas.microsoft.com/office/powerpoint/2010/main" val="3479771891"/>
+      </p:ext>
+    </p:extLst>
+  </p:cSld>
+  <p:clrMapOvr>
+    <a:masterClrMapping/>
+  </p:clrMapOvr>
+</p:sld>
+</file>
+
+<file path=ppt/slides/slide2.xml><?xml version="1.0" encoding="utf-8"?>
+<p:sld xmlns:a="http://schemas.openxmlformats.org/drawingml/2006/main" xmlns:r="http://schemas.openxmlformats.org/officeDocument/2006/relationships" xmlns:p="http://schemas.openxmlformats.org/presentationml/2006/main">
+  <p:cSld>
+    <p:spTree>
+      <p:nvGrpSpPr>
+        <p:cNvPr id="1" name=""/>
+        <p:cNvGrpSpPr/>
+        <p:nvPr/>
+      </p:nvGrpSpPr>
+      <p:grpSpPr>
+        <a:xfrm>
+          <a:off x="0" y="0"/>
+          <a:ext cx="0" cy="0"/>
+          <a:chOff x="0" y="0"/>
+          <a:chExt cx="0" cy="0"/>
+        </a:xfrm>
+      </p:grpSpPr>
+      <p:sp>
+        <p:nvSpPr>
+          <p:cNvPr id="2" name="Titel 1">
+            <a:extLst>
+              <a:ext uri="{FF2B5EF4-FFF2-40B4-BE49-F238E27FC236}">
+                <a16:creationId xmlns:a16="http://schemas.microsoft.com/office/drawing/2014/main" id="{6CF7A6A9-D10F-464A-8D37-F054983974F1}"/>
+              </a:ext>
+            </a:extLst>
+          </p:cNvPr>
+          <p:cNvSpPr>
+            <a:spLocks noGrp="1"/>
+          </p:cNvSpPr>
+          <p:nvPr>
+            <p:ph type="title"/>
+          </p:nvPr>
+        </p:nvSpPr>
+        <p:spPr/>
+        <p:txBody>
+          <a:bodyPr/>
+          <a:lstStyle/>
+          <a:p>
+            <a:r>
+              <a:rPr lang="de-DE" dirty="0"/>
+              <a:t>Projektverlauf</a:t>
+            </a:r>
+          </a:p>
+        </p:txBody>
+      </p:sp>
+      <p:sp>
+        <p:nvSpPr>
+          <p:cNvPr id="3" name="Inhaltsplatzhalter 2">
+            <a:extLst>
+              <a:ext uri="{FF2B5EF4-FFF2-40B4-BE49-F238E27FC236}">
+                <a16:creationId xmlns:a16="http://schemas.microsoft.com/office/drawing/2014/main" id="{AA834A5B-2815-764C-AB9E-92BB5326FA43}"/>
+              </a:ext>
+            </a:extLst>
+          </p:cNvPr>
+          <p:cNvSpPr>
+            <a:spLocks noGrp="1"/>
+          </p:cNvSpPr>
+          <p:nvPr>
+            <p:ph idx="1"/>
+          </p:nvPr>
+        </p:nvSpPr>
+        <p:spPr/>
+        <p:txBody>
+          <a:bodyPr/>
+          <a:lstStyle/>
+          <a:p>
+            <a:endParaRPr lang="de-DE"/>
+          </a:p>
+        </p:txBody>
+      </p:sp>
+    </p:spTree>
+    <p:extLst>
+      <p:ext uri="{BB962C8B-B14F-4D97-AF65-F5344CB8AC3E}">
+        <p14:creationId xmlns:p14="http://schemas.microsoft.com/office/powerpoint/2010/main" val="4096512184"/>
+      </p:ext>
+    </p:extLst>
+  </p:cSld>
+  <p:clrMapOvr>
+    <a:masterClrMapping/>
+  </p:clrMapOvr>
+</p:sld>
+</file>
+
+<file path=ppt/slides/slide3.xml><?xml version="1.0" encoding="utf-8"?>
+<p:sld xmlns:a="http://schemas.openxmlformats.org/drawingml/2006/main" xmlns:r="http://schemas.openxmlformats.org/officeDocument/2006/relationships" xmlns:p="http://schemas.openxmlformats.org/presentationml/2006/main">
+  <p:cSld>
+    <p:spTree>
+      <p:nvGrpSpPr>
+        <p:cNvPr id="1" name=""/>
+        <p:cNvGrpSpPr/>
+        <p:nvPr/>
+      </p:nvGrpSpPr>
+      <p:grpSpPr>
+        <a:xfrm>
+          <a:off x="0" y="0"/>
+          <a:ext cx="0" cy="0"/>
+          <a:chOff x="0" y="0"/>
+          <a:chExt cx="0" cy="0"/>
+        </a:xfrm>
+      </p:grpSpPr>
+      <p:sp>
+        <p:nvSpPr>
+          <p:cNvPr id="2" name="Titel 1">
+            <a:extLst>
+              <a:ext uri="{FF2B5EF4-FFF2-40B4-BE49-F238E27FC236}">
+                <a16:creationId xmlns:a16="http://schemas.microsoft.com/office/drawing/2014/main" id="{66F5E0E2-AC7C-9644-B830-683A73A950B1}"/>
+              </a:ext>
+            </a:extLst>
+          </p:cNvPr>
+          <p:cNvSpPr>
+            <a:spLocks noGrp="1"/>
+          </p:cNvSpPr>
+          <p:nvPr>
+            <p:ph type="title"/>
+          </p:nvPr>
+        </p:nvSpPr>
+        <p:spPr/>
+        <p:txBody>
+          <a:bodyPr/>
+          <a:lstStyle/>
+          <a:p>
+            <a:r>
+              <a:rPr lang="de-DE" dirty="0"/>
+              <a:t>Zeiterfassungssystem</a:t>
+            </a:r>
+          </a:p>
+        </p:txBody>
+      </p:sp>
+      <p:sp>
+        <p:nvSpPr>
+          <p:cNvPr id="3" name="Inhaltsplatzhalter 2">
+            <a:extLst>
+              <a:ext uri="{FF2B5EF4-FFF2-40B4-BE49-F238E27FC236}">
+                <a16:creationId xmlns:a16="http://schemas.microsoft.com/office/drawing/2014/main" id="{B4057E79-6024-034B-9C10-F335BB827A32}"/>
+              </a:ext>
+            </a:extLst>
+          </p:cNvPr>
+          <p:cNvSpPr>
+            <a:spLocks noGrp="1"/>
+          </p:cNvSpPr>
+          <p:nvPr>
+            <p:ph idx="1"/>
+          </p:nvPr>
+        </p:nvSpPr>
+        <p:spPr/>
+        <p:txBody>
+          <a:bodyPr/>
+          <a:lstStyle/>
+          <a:p>
+            <a:endParaRPr lang="de-DE"/>
+          </a:p>
+        </p:txBody>
+      </p:sp>
+    </p:spTree>
+    <p:extLst>
+      <p:ext uri="{BB962C8B-B14F-4D97-AF65-F5344CB8AC3E}">
+        <p14:creationId xmlns:p14="http://schemas.microsoft.com/office/powerpoint/2010/main" val="3990890145"/>
+      </p:ext>
+    </p:extLst>
+  </p:cSld>
+  <p:clrMapOvr>
+    <a:masterClrMapping/>
+  </p:clrMapOvr>
+</p:sld>
+</file>
+
+<file path=ppt/slides/slide4.xml><?xml version="1.0" encoding="utf-8"?>
+<p:sld xmlns:a="http://schemas.openxmlformats.org/drawingml/2006/main" xmlns:r="http://schemas.openxmlformats.org/officeDocument/2006/relationships" xmlns:p="http://schemas.openxmlformats.org/presentationml/2006/main">
+  <p:cSld>
+    <p:spTree>
+      <p:nvGrpSpPr>
+        <p:cNvPr id="1" name=""/>
+        <p:cNvGrpSpPr/>
+        <p:nvPr/>
+      </p:nvGrpSpPr>
+      <p:grpSpPr>
+        <a:xfrm>
+          <a:off x="0" y="0"/>
+          <a:ext cx="0" cy="0"/>
+          <a:chOff x="0" y="0"/>
+          <a:chExt cx="0" cy="0"/>
+        </a:xfrm>
+      </p:grpSpPr>
+      <p:sp>
+        <p:nvSpPr>
+          <p:cNvPr id="2" name="Titel 1">
+            <a:extLst>
+              <a:ext uri="{FF2B5EF4-FFF2-40B4-BE49-F238E27FC236}">
+                <a16:creationId xmlns:a16="http://schemas.microsoft.com/office/drawing/2014/main" id="{0C740ADE-75B4-E44D-8657-4865247756F1}"/>
+              </a:ext>
+            </a:extLst>
+          </p:cNvPr>
+          <p:cNvSpPr>
+            <a:spLocks noGrp="1"/>
+          </p:cNvSpPr>
+          <p:nvPr>
+            <p:ph type="title"/>
+          </p:nvPr>
+        </p:nvSpPr>
+        <p:spPr/>
+        <p:txBody>
+          <a:bodyPr/>
+          <a:lstStyle/>
+          <a:p>
+            <a:r>
+              <a:rPr lang="de-DE" dirty="0"/>
+              <a:t>Unsere Erfahrung</a:t>
+            </a:r>
+          </a:p>
+        </p:txBody>
+      </p:sp>
+      <p:sp>
+        <p:nvSpPr>
+          <p:cNvPr id="3" name="Inhaltsplatzhalter 2">
+            <a:extLst>
+              <a:ext uri="{FF2B5EF4-FFF2-40B4-BE49-F238E27FC236}">
+                <a16:creationId xmlns:a16="http://schemas.microsoft.com/office/drawing/2014/main" id="{8875502A-E14E-1C45-93AB-B6FFD0454359}"/>
+              </a:ext>
+            </a:extLst>
+          </p:cNvPr>
+          <p:cNvSpPr>
+            <a:spLocks noGrp="1"/>
+          </p:cNvSpPr>
+          <p:nvPr>
+            <p:ph idx="1"/>
+          </p:nvPr>
+        </p:nvSpPr>
+        <p:spPr/>
+        <p:txBody>
+          <a:bodyPr/>
+          <a:lstStyle/>
+          <a:p>
+            <a:endParaRPr lang="de-DE"/>
+          </a:p>
+        </p:txBody>
+      </p:sp>
+    </p:spTree>
+    <p:extLst>
+      <p:ext uri="{BB962C8B-B14F-4D97-AF65-F5344CB8AC3E}">
+        <p14:creationId xmlns:p14="http://schemas.microsoft.com/office/powerpoint/2010/main" val="690564094"/>
       </p:ext>
     </p:extLst>
   </p:cSld>

--- a/Unterlagen/8_Präsentation/Präsentation_G6.pptx
+++ b/Unterlagen/8_Präsentation/Präsentation_G6.pptx
@@ -7,8 +7,12 @@
   <p:sldIdLst>
     <p:sldId id="256" r:id="rId2"/>
     <p:sldId id="257" r:id="rId3"/>
-    <p:sldId id="258" r:id="rId4"/>
-    <p:sldId id="259" r:id="rId5"/>
+    <p:sldId id="260" r:id="rId4"/>
+    <p:sldId id="262" r:id="rId5"/>
+    <p:sldId id="263" r:id="rId6"/>
+    <p:sldId id="258" r:id="rId7"/>
+    <p:sldId id="261" r:id="rId8"/>
+    <p:sldId id="259" r:id="rId9"/>
   </p:sldIdLst>
   <p:sldSz cx="12192000" cy="6858000"/>
   <p:notesSz cx="6858000" cy="9144000"/>
@@ -262,7 +266,7 @@
           <a:p>
             <a:fld id="{C53E453F-5AE7-7B40-8B97-CCB947F208CB}" type="datetimeFigureOut">
               <a:rPr lang="de-DE" smtClean="0"/>
-              <a:t>04.12.19</a:t>
+              <a:t>16.12.19</a:t>
             </a:fld>
             <a:endParaRPr lang="de-DE"/>
           </a:p>
@@ -460,7 +464,7 @@
           <a:p>
             <a:fld id="{C53E453F-5AE7-7B40-8B97-CCB947F208CB}" type="datetimeFigureOut">
               <a:rPr lang="de-DE" smtClean="0"/>
-              <a:t>04.12.19</a:t>
+              <a:t>16.12.19</a:t>
             </a:fld>
             <a:endParaRPr lang="de-DE"/>
           </a:p>
@@ -668,7 +672,7 @@
           <a:p>
             <a:fld id="{C53E453F-5AE7-7B40-8B97-CCB947F208CB}" type="datetimeFigureOut">
               <a:rPr lang="de-DE" smtClean="0"/>
-              <a:t>04.12.19</a:t>
+              <a:t>16.12.19</a:t>
             </a:fld>
             <a:endParaRPr lang="de-DE"/>
           </a:p>
@@ -866,7 +870,7 @@
           <a:p>
             <a:fld id="{C53E453F-5AE7-7B40-8B97-CCB947F208CB}" type="datetimeFigureOut">
               <a:rPr lang="de-DE" smtClean="0"/>
-              <a:t>04.12.19</a:t>
+              <a:t>16.12.19</a:t>
             </a:fld>
             <a:endParaRPr lang="de-DE"/>
           </a:p>
@@ -1141,7 +1145,7 @@
           <a:p>
             <a:fld id="{C53E453F-5AE7-7B40-8B97-CCB947F208CB}" type="datetimeFigureOut">
               <a:rPr lang="de-DE" smtClean="0"/>
-              <a:t>04.12.19</a:t>
+              <a:t>16.12.19</a:t>
             </a:fld>
             <a:endParaRPr lang="de-DE"/>
           </a:p>
@@ -1406,7 +1410,7 @@
           <a:p>
             <a:fld id="{C53E453F-5AE7-7B40-8B97-CCB947F208CB}" type="datetimeFigureOut">
               <a:rPr lang="de-DE" smtClean="0"/>
-              <a:t>04.12.19</a:t>
+              <a:t>16.12.19</a:t>
             </a:fld>
             <a:endParaRPr lang="de-DE"/>
           </a:p>
@@ -1818,7 +1822,7 @@
           <a:p>
             <a:fld id="{C53E453F-5AE7-7B40-8B97-CCB947F208CB}" type="datetimeFigureOut">
               <a:rPr lang="de-DE" smtClean="0"/>
-              <a:t>04.12.19</a:t>
+              <a:t>16.12.19</a:t>
             </a:fld>
             <a:endParaRPr lang="de-DE"/>
           </a:p>
@@ -1959,7 +1963,7 @@
           <a:p>
             <a:fld id="{C53E453F-5AE7-7B40-8B97-CCB947F208CB}" type="datetimeFigureOut">
               <a:rPr lang="de-DE" smtClean="0"/>
-              <a:t>04.12.19</a:t>
+              <a:t>16.12.19</a:t>
             </a:fld>
             <a:endParaRPr lang="de-DE"/>
           </a:p>
@@ -2072,7 +2076,7 @@
           <a:p>
             <a:fld id="{C53E453F-5AE7-7B40-8B97-CCB947F208CB}" type="datetimeFigureOut">
               <a:rPr lang="de-DE" smtClean="0"/>
-              <a:t>04.12.19</a:t>
+              <a:t>16.12.19</a:t>
             </a:fld>
             <a:endParaRPr lang="de-DE"/>
           </a:p>
@@ -2383,7 +2387,7 @@
           <a:p>
             <a:fld id="{C53E453F-5AE7-7B40-8B97-CCB947F208CB}" type="datetimeFigureOut">
               <a:rPr lang="de-DE" smtClean="0"/>
-              <a:t>04.12.19</a:t>
+              <a:t>16.12.19</a:t>
             </a:fld>
             <a:endParaRPr lang="de-DE"/>
           </a:p>
@@ -2671,7 +2675,7 @@
           <a:p>
             <a:fld id="{C53E453F-5AE7-7B40-8B97-CCB947F208CB}" type="datetimeFigureOut">
               <a:rPr lang="de-DE" smtClean="0"/>
-              <a:t>04.12.19</a:t>
+              <a:t>16.12.19</a:t>
             </a:fld>
             <a:endParaRPr lang="de-DE"/>
           </a:p>
@@ -2912,7 +2916,7 @@
           <a:p>
             <a:fld id="{C53E453F-5AE7-7B40-8B97-CCB947F208CB}" type="datetimeFigureOut">
               <a:rPr lang="de-DE" smtClean="0"/>
-              <a:t>04.12.19</a:t>
+              <a:t>16.12.19</a:t>
             </a:fld>
             <a:endParaRPr lang="de-DE"/>
           </a:p>
@@ -3315,6 +3319,16 @@
 <file path=ppt/slides/slide1.xml><?xml version="1.0" encoding="utf-8"?>
 <p:sld xmlns:a="http://schemas.openxmlformats.org/drawingml/2006/main" xmlns:r="http://schemas.openxmlformats.org/officeDocument/2006/relationships" xmlns:p="http://schemas.openxmlformats.org/presentationml/2006/main">
   <p:cSld>
+    <p:bg>
+      <p:bgPr>
+        <a:solidFill>
+          <a:schemeClr val="accent3">
+            <a:lumMod val="75000"/>
+          </a:schemeClr>
+        </a:solidFill>
+        <a:effectLst/>
+      </p:bgPr>
+    </p:bg>
     <p:spTree>
       <p:nvGrpSpPr>
         <p:cNvPr id="1" name=""/>
@@ -3331,6 +3345,370 @@
       </p:grpSpPr>
       <p:sp>
         <p:nvSpPr>
+          <p:cNvPr id="8" name="Rectangle 7">
+            <a:extLst>
+              <a:ext uri="{FF2B5EF4-FFF2-40B4-BE49-F238E27FC236}">
+                <a16:creationId xmlns:a16="http://schemas.microsoft.com/office/drawing/2014/main" id="{23207CC6-EAA1-4BFF-A48A-DECAD8972717}"/>
+              </a:ext>
+              <a:ext uri="{C183D7F6-B498-43B3-948B-1728B52AA6E4}">
+                <adec:decorative xmlns:adec="http://schemas.microsoft.com/office/drawing/2017/decorative" val="1"/>
+              </a:ext>
+            </a:extLst>
+          </p:cNvPr>
+          <p:cNvSpPr>
+            <a:spLocks noGrp="1" noRot="1" noChangeAspect="1" noMove="1" noResize="1" noEditPoints="1" noAdjustHandles="1" noChangeArrowheads="1" noChangeShapeType="1" noTextEdit="1"/>
+          </p:cNvSpPr>
+          <p:nvPr>
+            <p:extLst>
+              <p:ext uri="{386F3935-93C4-4BCD-93E2-E3B085C9AB24}">
+                <p16:designElem xmlns:p16="http://schemas.microsoft.com/office/powerpoint/2015/main" val="1"/>
+              </p:ext>
+            </p:extLst>
+          </p:nvPr>
+        </p:nvSpPr>
+        <p:spPr>
+          <a:xfrm>
+            <a:off x="0" y="-3324"/>
+            <a:ext cx="12192000" cy="6861324"/>
+          </a:xfrm>
+          <a:prstGeom prst="rect">
+            <a:avLst/>
+          </a:prstGeom>
+          <a:solidFill>
+            <a:schemeClr val="accent3">
+              <a:lumMod val="75000"/>
+            </a:schemeClr>
+          </a:solidFill>
+          <a:ln>
+            <a:noFill/>
+          </a:ln>
+        </p:spPr>
+        <p:style>
+          <a:lnRef idx="2">
+            <a:schemeClr val="accent1">
+              <a:shade val="50000"/>
+            </a:schemeClr>
+          </a:lnRef>
+          <a:fillRef idx="1">
+            <a:schemeClr val="accent1"/>
+          </a:fillRef>
+          <a:effectRef idx="0">
+            <a:schemeClr val="accent1"/>
+          </a:effectRef>
+          <a:fontRef idx="minor">
+            <a:schemeClr val="lt1"/>
+          </a:fontRef>
+        </p:style>
+        <p:txBody>
+          <a:bodyPr rtlCol="0" anchor="ctr"/>
+          <a:lstStyle/>
+          <a:p>
+            <a:pPr algn="ctr"/>
+            <a:endParaRPr lang="en-US"/>
+          </a:p>
+        </p:txBody>
+      </p:sp>
+      <p:sp>
+        <p:nvSpPr>
+          <p:cNvPr id="10" name="Freeform 3">
+            <a:extLst>
+              <a:ext uri="{FF2B5EF4-FFF2-40B4-BE49-F238E27FC236}">
+                <a16:creationId xmlns:a16="http://schemas.microsoft.com/office/drawing/2014/main" id="{B234A3DD-923D-4166-8B19-7DD589908C68}"/>
+              </a:ext>
+              <a:ext uri="{C183D7F6-B498-43B3-948B-1728B52AA6E4}">
+                <adec:decorative xmlns:adec="http://schemas.microsoft.com/office/drawing/2017/decorative" val="1"/>
+              </a:ext>
+            </a:extLst>
+          </p:cNvPr>
+          <p:cNvSpPr>
+            <a:spLocks noGrp="1" noRot="1" noChangeAspect="1" noMove="1" noResize="1" noEditPoints="1" noAdjustHandles="1" noChangeArrowheads="1" noChangeShapeType="1" noTextEdit="1"/>
+          </p:cNvSpPr>
+          <p:nvPr>
+            <p:extLst>
+              <p:ext uri="{386F3935-93C4-4BCD-93E2-E3B085C9AB24}">
+                <p16:designElem xmlns:p16="http://schemas.microsoft.com/office/powerpoint/2015/main" val="1"/>
+              </p:ext>
+            </p:extLst>
+          </p:nvPr>
+        </p:nvSpPr>
+        <p:spPr>
+          <a:xfrm>
+            <a:off x="1246925" y="-479"/>
+            <a:ext cx="9468701" cy="6858478"/>
+          </a:xfrm>
+          <a:custGeom>
+            <a:avLst/>
+            <a:gdLst>
+              <a:gd name="connsiteX0" fmla="*/ 0 w 8078051"/>
+              <a:gd name="connsiteY0" fmla="*/ 0 h 5829300"/>
+              <a:gd name="connsiteX1" fmla="*/ 4453793 w 8078051"/>
+              <a:gd name="connsiteY1" fmla="*/ 0 h 5829300"/>
+              <a:gd name="connsiteX2" fmla="*/ 5363426 w 8078051"/>
+              <a:gd name="connsiteY2" fmla="*/ 0 h 5829300"/>
+              <a:gd name="connsiteX3" fmla="*/ 5368184 w 8078051"/>
+              <a:gd name="connsiteY3" fmla="*/ 0 h 5829300"/>
+              <a:gd name="connsiteX4" fmla="*/ 8078051 w 8078051"/>
+              <a:gd name="connsiteY4" fmla="*/ 5829300 h 5829300"/>
+              <a:gd name="connsiteX5" fmla="*/ 1743926 w 8078051"/>
+              <a:gd name="connsiteY5" fmla="*/ 5829300 h 5829300"/>
+              <a:gd name="connsiteX6" fmla="*/ 1744148 w 8078051"/>
+              <a:gd name="connsiteY6" fmla="*/ 5828822 h 5829300"/>
+              <a:gd name="connsiteX7" fmla="*/ 0 w 8078051"/>
+              <a:gd name="connsiteY7" fmla="*/ 5828822 h 5829300"/>
+            </a:gdLst>
+            <a:ahLst/>
+            <a:cxnLst>
+              <a:cxn ang="0">
+                <a:pos x="connsiteX0" y="connsiteY0"/>
+              </a:cxn>
+              <a:cxn ang="0">
+                <a:pos x="connsiteX1" y="connsiteY1"/>
+              </a:cxn>
+              <a:cxn ang="0">
+                <a:pos x="connsiteX2" y="connsiteY2"/>
+              </a:cxn>
+              <a:cxn ang="0">
+                <a:pos x="connsiteX3" y="connsiteY3"/>
+              </a:cxn>
+              <a:cxn ang="0">
+                <a:pos x="connsiteX4" y="connsiteY4"/>
+              </a:cxn>
+              <a:cxn ang="0">
+                <a:pos x="connsiteX5" y="connsiteY5"/>
+              </a:cxn>
+              <a:cxn ang="0">
+                <a:pos x="connsiteX6" y="connsiteY6"/>
+              </a:cxn>
+              <a:cxn ang="0">
+                <a:pos x="connsiteX7" y="connsiteY7"/>
+              </a:cxn>
+            </a:cxnLst>
+            <a:rect l="l" t="t" r="r" b="b"/>
+            <a:pathLst>
+              <a:path w="8078051" h="5829300">
+                <a:moveTo>
+                  <a:pt x="0" y="0"/>
+                </a:moveTo>
+                <a:lnTo>
+                  <a:pt x="4453793" y="0"/>
+                </a:lnTo>
+                <a:lnTo>
+                  <a:pt x="5363426" y="0"/>
+                </a:lnTo>
+                <a:lnTo>
+                  <a:pt x="5368184" y="0"/>
+                </a:lnTo>
+                <a:lnTo>
+                  <a:pt x="8078051" y="5829300"/>
+                </a:lnTo>
+                <a:lnTo>
+                  <a:pt x="1743926" y="5829300"/>
+                </a:lnTo>
+                <a:lnTo>
+                  <a:pt x="1744148" y="5828822"/>
+                </a:lnTo>
+                <a:lnTo>
+                  <a:pt x="0" y="5828822"/>
+                </a:lnTo>
+                <a:close/>
+              </a:path>
+            </a:pathLst>
+          </a:custGeom>
+          <a:solidFill>
+            <a:schemeClr val="bg1">
+              <a:lumMod val="85000"/>
+              <a:lumOff val="15000"/>
+              <a:alpha val="70000"/>
+            </a:schemeClr>
+          </a:solidFill>
+          <a:ln>
+            <a:noFill/>
+          </a:ln>
+        </p:spPr>
+        <p:style>
+          <a:lnRef idx="2">
+            <a:schemeClr val="accent1">
+              <a:shade val="50000"/>
+            </a:schemeClr>
+          </a:lnRef>
+          <a:fillRef idx="1">
+            <a:schemeClr val="accent1"/>
+          </a:fillRef>
+          <a:effectRef idx="0">
+            <a:schemeClr val="accent1"/>
+          </a:effectRef>
+          <a:fontRef idx="minor">
+            <a:schemeClr val="lt1"/>
+          </a:fontRef>
+        </p:style>
+        <p:txBody>
+          <a:bodyPr rtlCol="0" anchor="ctr"/>
+          <a:lstStyle/>
+          <a:p>
+            <a:pPr algn="ctr"/>
+            <a:endParaRPr lang="en-US"/>
+          </a:p>
+        </p:txBody>
+      </p:sp>
+      <p:sp>
+        <p:nvSpPr>
+          <p:cNvPr id="12" name="Freeform 16">
+            <a:extLst>
+              <a:ext uri="{FF2B5EF4-FFF2-40B4-BE49-F238E27FC236}">
+                <a16:creationId xmlns:a16="http://schemas.microsoft.com/office/drawing/2014/main" id="{F6ACA5AC-3C5D-4994-B40F-FC8349E4D6F4}"/>
+              </a:ext>
+              <a:ext uri="{C183D7F6-B498-43B3-948B-1728B52AA6E4}">
+                <adec:decorative xmlns:adec="http://schemas.microsoft.com/office/drawing/2017/decorative" val="1"/>
+              </a:ext>
+            </a:extLst>
+          </p:cNvPr>
+          <p:cNvSpPr>
+            <a:spLocks noGrp="1" noRot="1" noChangeAspect="1" noMove="1" noResize="1" noEditPoints="1" noAdjustHandles="1" noChangeArrowheads="1" noChangeShapeType="1" noTextEdit="1"/>
+          </p:cNvSpPr>
+          <p:nvPr>
+            <p:extLst>
+              <p:ext uri="{386F3935-93C4-4BCD-93E2-E3B085C9AB24}">
+                <p16:designElem xmlns:p16="http://schemas.microsoft.com/office/powerpoint/2015/main" val="1"/>
+              </p:ext>
+            </p:extLst>
+          </p:nvPr>
+        </p:nvSpPr>
+        <p:spPr>
+          <a:xfrm>
+            <a:off x="-1" y="-479"/>
+            <a:ext cx="9324977" cy="6858479"/>
+          </a:xfrm>
+          <a:custGeom>
+            <a:avLst/>
+            <a:gdLst>
+              <a:gd name="connsiteX0" fmla="*/ 1246925 w 9324977"/>
+              <a:gd name="connsiteY0" fmla="*/ 0 h 6858479"/>
+              <a:gd name="connsiteX1" fmla="*/ 5076797 w 9324977"/>
+              <a:gd name="connsiteY1" fmla="*/ 0 h 6858479"/>
+              <a:gd name="connsiteX2" fmla="*/ 6143025 w 9324977"/>
+              <a:gd name="connsiteY2" fmla="*/ 0 h 6858479"/>
+              <a:gd name="connsiteX3" fmla="*/ 6148602 w 9324977"/>
+              <a:gd name="connsiteY3" fmla="*/ 0 h 6858479"/>
+              <a:gd name="connsiteX4" fmla="*/ 9324977 w 9324977"/>
+              <a:gd name="connsiteY4" fmla="*/ 6858478 h 6858479"/>
+              <a:gd name="connsiteX5" fmla="*/ 3359025 w 9324977"/>
+              <a:gd name="connsiteY5" fmla="*/ 6858478 h 6858479"/>
+              <a:gd name="connsiteX6" fmla="*/ 3359025 w 9324977"/>
+              <a:gd name="connsiteY6" fmla="*/ 6858479 h 6858479"/>
+              <a:gd name="connsiteX7" fmla="*/ 0 w 9324977"/>
+              <a:gd name="connsiteY7" fmla="*/ 6858479 h 6858479"/>
+              <a:gd name="connsiteX8" fmla="*/ 0 w 9324977"/>
+              <a:gd name="connsiteY8" fmla="*/ 479 h 6858479"/>
+              <a:gd name="connsiteX9" fmla="*/ 1246925 w 9324977"/>
+              <a:gd name="connsiteY9" fmla="*/ 479 h 6858479"/>
+            </a:gdLst>
+            <a:ahLst/>
+            <a:cxnLst>
+              <a:cxn ang="0">
+                <a:pos x="connsiteX0" y="connsiteY0"/>
+              </a:cxn>
+              <a:cxn ang="0">
+                <a:pos x="connsiteX1" y="connsiteY1"/>
+              </a:cxn>
+              <a:cxn ang="0">
+                <a:pos x="connsiteX2" y="connsiteY2"/>
+              </a:cxn>
+              <a:cxn ang="0">
+                <a:pos x="connsiteX3" y="connsiteY3"/>
+              </a:cxn>
+              <a:cxn ang="0">
+                <a:pos x="connsiteX4" y="connsiteY4"/>
+              </a:cxn>
+              <a:cxn ang="0">
+                <a:pos x="connsiteX5" y="connsiteY5"/>
+              </a:cxn>
+              <a:cxn ang="0">
+                <a:pos x="connsiteX6" y="connsiteY6"/>
+              </a:cxn>
+              <a:cxn ang="0">
+                <a:pos x="connsiteX7" y="connsiteY7"/>
+              </a:cxn>
+              <a:cxn ang="0">
+                <a:pos x="connsiteX8" y="connsiteY8"/>
+              </a:cxn>
+              <a:cxn ang="0">
+                <a:pos x="connsiteX9" y="connsiteY9"/>
+              </a:cxn>
+            </a:cxnLst>
+            <a:rect l="l" t="t" r="r" b="b"/>
+            <a:pathLst>
+              <a:path w="9324977" h="6858479">
+                <a:moveTo>
+                  <a:pt x="1246925" y="0"/>
+                </a:moveTo>
+                <a:lnTo>
+                  <a:pt x="5076797" y="0"/>
+                </a:lnTo>
+                <a:lnTo>
+                  <a:pt x="6143025" y="0"/>
+                </a:lnTo>
+                <a:lnTo>
+                  <a:pt x="6148602" y="0"/>
+                </a:lnTo>
+                <a:lnTo>
+                  <a:pt x="9324977" y="6858478"/>
+                </a:lnTo>
+                <a:lnTo>
+                  <a:pt x="3359025" y="6858478"/>
+                </a:lnTo>
+                <a:lnTo>
+                  <a:pt x="3359025" y="6858479"/>
+                </a:lnTo>
+                <a:lnTo>
+                  <a:pt x="0" y="6858479"/>
+                </a:lnTo>
+                <a:lnTo>
+                  <a:pt x="0" y="479"/>
+                </a:lnTo>
+                <a:lnTo>
+                  <a:pt x="1246925" y="479"/>
+                </a:lnTo>
+                <a:close/>
+              </a:path>
+            </a:pathLst>
+          </a:custGeom>
+          <a:solidFill>
+            <a:schemeClr val="bg1">
+              <a:lumMod val="85000"/>
+              <a:lumOff val="15000"/>
+            </a:schemeClr>
+          </a:solidFill>
+          <a:ln>
+            <a:noFill/>
+          </a:ln>
+        </p:spPr>
+        <p:style>
+          <a:lnRef idx="2">
+            <a:schemeClr val="accent1">
+              <a:shade val="50000"/>
+            </a:schemeClr>
+          </a:lnRef>
+          <a:fillRef idx="1">
+            <a:schemeClr val="accent1"/>
+          </a:fillRef>
+          <a:effectRef idx="0">
+            <a:schemeClr val="accent1"/>
+          </a:effectRef>
+          <a:fontRef idx="minor">
+            <a:schemeClr val="lt1"/>
+          </a:fontRef>
+        </p:style>
+        <p:txBody>
+          <a:bodyPr rtlCol="0" anchor="ctr"/>
+          <a:lstStyle/>
+          <a:p>
+            <a:pPr algn="ctr"/>
+            <a:endParaRPr lang="en-US"/>
+          </a:p>
+        </p:txBody>
+      </p:sp>
+      <p:sp>
+        <p:nvSpPr>
           <p:cNvPr id="2" name="Titel 1">
             <a:extLst>
               <a:ext uri="{FF2B5EF4-FFF2-40B4-BE49-F238E27FC236}">
@@ -3345,13 +3723,21 @@
             <p:ph type="ctrTitle"/>
           </p:nvPr>
         </p:nvSpPr>
-        <p:spPr/>
-        <p:txBody>
-          <a:bodyPr/>
-          <a:lstStyle/>
-          <a:p>
-            <a:r>
-              <a:rPr lang="de-DE" dirty="0"/>
+        <p:spPr>
+          <a:xfrm>
+            <a:off x="804671" y="2600324"/>
+            <a:ext cx="6405753" cy="3277961"/>
+          </a:xfrm>
+        </p:spPr>
+        <p:txBody>
+          <a:bodyPr anchor="t">
+            <a:normAutofit/>
+          </a:bodyPr>
+          <a:lstStyle/>
+          <a:p>
+            <a:pPr algn="l"/>
+            <a:r>
+              <a:rPr lang="de-DE" sz="5400"/>
               <a:t>Time4You</a:t>
             </a:r>
           </a:p>
@@ -3373,12 +3759,23 @@
             <p:ph type="subTitle" idx="1"/>
           </p:nvPr>
         </p:nvSpPr>
-        <p:spPr/>
-        <p:txBody>
-          <a:bodyPr/>
-          <a:lstStyle/>
-          <a:p>
-            <a:endParaRPr lang="de-DE"/>
+        <p:spPr>
+          <a:xfrm>
+            <a:off x="804672" y="1300450"/>
+            <a:ext cx="4167376" cy="1155525"/>
+          </a:xfrm>
+        </p:spPr>
+        <p:txBody>
+          <a:bodyPr anchor="b">
+            <a:normAutofit/>
+          </a:bodyPr>
+          <a:lstStyle/>
+          <a:p>
+            <a:pPr algn="l"/>
+            <a:r>
+              <a:rPr lang="de-DE" sz="2000" dirty="0"/>
+              <a:t>Gruppe 6</a:t>
+            </a:r>
           </a:p>
         </p:txBody>
       </p:sp>
@@ -3390,7 +3787,7 @@
     </p:extLst>
   </p:cSld>
   <p:clrMapOvr>
-    <a:masterClrMapping/>
+    <a:overrideClrMapping bg1="dk1" tx1="lt1" bg2="dk2" tx2="lt2" accent1="accent1" accent2="accent2" accent3="accent3" accent4="accent4" accent5="accent5" accent6="accent6" hlink="hlink" folHlink="folHlink"/>
   </p:clrMapOvr>
 </p:sld>
 </file>
@@ -3398,6 +3795,17 @@
 <file path=ppt/slides/slide2.xml><?xml version="1.0" encoding="utf-8"?>
 <p:sld xmlns:a="http://schemas.openxmlformats.org/drawingml/2006/main" xmlns:r="http://schemas.openxmlformats.org/officeDocument/2006/relationships" xmlns:p="http://schemas.openxmlformats.org/presentationml/2006/main">
   <p:cSld>
+    <p:bg>
+      <p:bgPr>
+        <a:solidFill>
+          <a:schemeClr val="bg1">
+            <a:tint val="95000"/>
+            <a:satMod val="170000"/>
+          </a:schemeClr>
+        </a:solidFill>
+        <a:effectLst/>
+      </p:bgPr>
+    </p:bg>
     <p:spTree>
       <p:nvGrpSpPr>
         <p:cNvPr id="1" name=""/>
@@ -3414,6 +3822,173 @@
       </p:grpSpPr>
       <p:sp>
         <p:nvSpPr>
+          <p:cNvPr id="8" name="Freeform: Shape 7">
+            <a:extLst>
+              <a:ext uri="{FF2B5EF4-FFF2-40B4-BE49-F238E27FC236}">
+                <a16:creationId xmlns:a16="http://schemas.microsoft.com/office/drawing/2014/main" id="{48A740BC-A0AA-45E0-B899-2AE9C6FE11CA}"/>
+              </a:ext>
+              <a:ext uri="{C183D7F6-B498-43B3-948B-1728B52AA6E4}">
+                <adec:decorative xmlns:adec="http://schemas.microsoft.com/office/drawing/2017/decorative" val="1"/>
+              </a:ext>
+            </a:extLst>
+          </p:cNvPr>
+          <p:cNvSpPr>
+            <a:spLocks noGrp="1" noRot="1" noChangeAspect="1" noMove="1" noResize="1" noEditPoints="1" noAdjustHandles="1" noChangeArrowheads="1" noChangeShapeType="1" noTextEdit="1"/>
+          </p:cNvSpPr>
+          <p:nvPr>
+            <p:extLst>
+              <p:ext uri="{386F3935-93C4-4BCD-93E2-E3B085C9AB24}">
+                <p16:designElem xmlns:p16="http://schemas.microsoft.com/office/powerpoint/2015/main" val="1"/>
+              </p:ext>
+            </p:extLst>
+          </p:nvPr>
+        </p:nvSpPr>
+        <p:spPr>
+          <a:xfrm>
+            <a:off x="5913121" y="-2"/>
+            <a:ext cx="6278879" cy="6858002"/>
+          </a:xfrm>
+          <a:custGeom>
+            <a:avLst/>
+            <a:gdLst>
+              <a:gd name="connsiteX0" fmla="*/ 45572 w 6278879"/>
+              <a:gd name="connsiteY0" fmla="*/ 0 h 6858002"/>
+              <a:gd name="connsiteX1" fmla="*/ 6278879 w 6278879"/>
+              <a:gd name="connsiteY1" fmla="*/ 0 h 6858002"/>
+              <a:gd name="connsiteX2" fmla="*/ 6278879 w 6278879"/>
+              <a:gd name="connsiteY2" fmla="*/ 6858002 h 6858002"/>
+              <a:gd name="connsiteX3" fmla="*/ 3292308 w 6278879"/>
+              <a:gd name="connsiteY3" fmla="*/ 6858002 h 6858002"/>
+              <a:gd name="connsiteX4" fmla="*/ 3181526 w 6278879"/>
+              <a:gd name="connsiteY4" fmla="*/ 6786982 h 6858002"/>
+              <a:gd name="connsiteX5" fmla="*/ 0 w 6278879"/>
+              <a:gd name="connsiteY5" fmla="*/ 803254 h 6858002"/>
+              <a:gd name="connsiteX6" fmla="*/ 37255 w 6278879"/>
+              <a:gd name="connsiteY6" fmla="*/ 65447 h 6858002"/>
+            </a:gdLst>
+            <a:ahLst/>
+            <a:cxnLst>
+              <a:cxn ang="0">
+                <a:pos x="connsiteX0" y="connsiteY0"/>
+              </a:cxn>
+              <a:cxn ang="0">
+                <a:pos x="connsiteX1" y="connsiteY1"/>
+              </a:cxn>
+              <a:cxn ang="0">
+                <a:pos x="connsiteX2" y="connsiteY2"/>
+              </a:cxn>
+              <a:cxn ang="0">
+                <a:pos x="connsiteX3" y="connsiteY3"/>
+              </a:cxn>
+              <a:cxn ang="0">
+                <a:pos x="connsiteX4" y="connsiteY4"/>
+              </a:cxn>
+              <a:cxn ang="0">
+                <a:pos x="connsiteX5" y="connsiteY5"/>
+              </a:cxn>
+              <a:cxn ang="0">
+                <a:pos x="connsiteX6" y="connsiteY6"/>
+              </a:cxn>
+            </a:cxnLst>
+            <a:rect l="l" t="t" r="r" b="b"/>
+            <a:pathLst>
+              <a:path w="6278879" h="6858002">
+                <a:moveTo>
+                  <a:pt x="45572" y="0"/>
+                </a:moveTo>
+                <a:lnTo>
+                  <a:pt x="6278879" y="0"/>
+                </a:lnTo>
+                <a:lnTo>
+                  <a:pt x="6278879" y="6858002"/>
+                </a:lnTo>
+                <a:lnTo>
+                  <a:pt x="3292308" y="6858002"/>
+                </a:lnTo>
+                <a:lnTo>
+                  <a:pt x="3181526" y="6786982"/>
+                </a:lnTo>
+                <a:cubicBezTo>
+                  <a:pt x="1262021" y="5490191"/>
+                  <a:pt x="0" y="3294103"/>
+                  <a:pt x="0" y="803254"/>
+                </a:cubicBezTo>
+                <a:cubicBezTo>
+                  <a:pt x="0" y="554169"/>
+                  <a:pt x="12620" y="308032"/>
+                  <a:pt x="37255" y="65447"/>
+                </a:cubicBezTo>
+                <a:close/>
+              </a:path>
+            </a:pathLst>
+          </a:custGeom>
+          <a:solidFill>
+            <a:schemeClr val="bg1">
+              <a:lumMod val="85000"/>
+              <a:lumOff val="15000"/>
+              <a:alpha val="70000"/>
+            </a:schemeClr>
+          </a:solidFill>
+          <a:ln>
+            <a:noFill/>
+          </a:ln>
+        </p:spPr>
+        <p:style>
+          <a:lnRef idx="2">
+            <a:schemeClr val="accent1">
+              <a:shade val="50000"/>
+            </a:schemeClr>
+          </a:lnRef>
+          <a:fillRef idx="1">
+            <a:schemeClr val="accent1"/>
+          </a:fillRef>
+          <a:effectRef idx="0">
+            <a:schemeClr val="accent1"/>
+          </a:effectRef>
+          <a:fontRef idx="minor">
+            <a:schemeClr val="lt1"/>
+          </a:fontRef>
+        </p:style>
+        <p:txBody>
+          <a:bodyPr rtlCol="0" anchor="ctr"/>
+          <a:lstStyle/>
+          <a:p>
+            <a:pPr marL="0" marR="0" lvl="0" indent="0" algn="ctr" defTabSz="914400" rtl="0" eaLnBrk="1" fontAlgn="auto" latinLnBrk="0" hangingPunct="1">
+              <a:lnSpc>
+                <a:spcPct val="100000"/>
+              </a:lnSpc>
+              <a:spcBef>
+                <a:spcPts val="0"/>
+              </a:spcBef>
+              <a:spcAft>
+                <a:spcPts val="0"/>
+              </a:spcAft>
+              <a:buClrTx/>
+              <a:buSzTx/>
+              <a:buFontTx/>
+              <a:buNone/>
+              <a:tabLst/>
+              <a:defRPr/>
+            </a:pPr>
+            <a:endParaRPr kumimoji="0" lang="en-US" sz="1800" b="0" i="0" u="none" strike="noStrike" kern="1200" cap="none" spc="0" normalizeH="0" baseline="0" noProof="0">
+              <a:ln>
+                <a:noFill/>
+              </a:ln>
+              <a:solidFill>
+                <a:prstClr val="white"/>
+              </a:solidFill>
+              <a:effectLst/>
+              <a:uLnTx/>
+              <a:uFillTx/>
+              <a:latin typeface="Calibri" panose="020F0502020204030204"/>
+              <a:ea typeface="+mn-ea"/>
+              <a:cs typeface="+mn-cs"/>
+            </a:endParaRPr>
+          </a:p>
+        </p:txBody>
+      </p:sp>
+      <p:sp>
+        <p:nvSpPr>
           <p:cNvPr id="2" name="Titel 1">
             <a:extLst>
               <a:ext uri="{FF2B5EF4-FFF2-40B4-BE49-F238E27FC236}">
@@ -3428,18 +4003,78 @@
             <p:ph type="title"/>
           </p:nvPr>
         </p:nvSpPr>
-        <p:spPr/>
-        <p:txBody>
-          <a:bodyPr/>
-          <a:lstStyle/>
-          <a:p>
-            <a:r>
-              <a:rPr lang="de-DE" dirty="0"/>
+        <p:spPr>
+          <a:xfrm>
+            <a:off x="655320" y="365125"/>
+            <a:ext cx="9013052" cy="1623312"/>
+          </a:xfrm>
+        </p:spPr>
+        <p:txBody>
+          <a:bodyPr anchor="b">
+            <a:normAutofit/>
+          </a:bodyPr>
+          <a:lstStyle/>
+          <a:p>
+            <a:r>
+              <a:rPr lang="de-DE" sz="4000"/>
               <a:t>Projektverlauf</a:t>
             </a:r>
           </a:p>
         </p:txBody>
       </p:sp>
+      <p:cxnSp>
+        <p:nvCxnSpPr>
+          <p:cNvPr id="10" name="Straight Arrow Connector 9">
+            <a:extLst>
+              <a:ext uri="{FF2B5EF4-FFF2-40B4-BE49-F238E27FC236}">
+                <a16:creationId xmlns:a16="http://schemas.microsoft.com/office/drawing/2014/main" id="{B874EF51-C858-4BB9-97C3-D17755787127}"/>
+              </a:ext>
+              <a:ext uri="{C183D7F6-B498-43B3-948B-1728B52AA6E4}">
+                <adec:decorative xmlns:adec="http://schemas.microsoft.com/office/drawing/2017/decorative" val="1"/>
+              </a:ext>
+            </a:extLst>
+          </p:cNvPr>
+          <p:cNvCxnSpPr>
+            <a:cxnSpLocks noGrp="1" noRot="1" noChangeAspect="1" noMove="1" noResize="1" noEditPoints="1" noAdjustHandles="1" noChangeArrowheads="1" noChangeShapeType="1"/>
+          </p:cNvCxnSpPr>
+          <p:nvPr>
+            <p:extLst>
+              <p:ext uri="{386F3935-93C4-4BCD-93E2-E3B085C9AB24}">
+                <p16:designElem xmlns:p16="http://schemas.microsoft.com/office/powerpoint/2015/main" val="1"/>
+              </p:ext>
+            </p:extLst>
+          </p:nvPr>
+        </p:nvCxnSpPr>
+        <p:spPr>
+          <a:xfrm>
+            <a:off x="763661" y="2316480"/>
+            <a:ext cx="8229600" cy="0"/>
+          </a:xfrm>
+          <a:prstGeom prst="straightConnector1">
+            <a:avLst/>
+          </a:prstGeom>
+          <a:ln w="19050" cap="sq">
+            <a:solidFill>
+              <a:schemeClr val="tx1"/>
+            </a:solidFill>
+            <a:tailEnd type="none"/>
+          </a:ln>
+        </p:spPr>
+        <p:style>
+          <a:lnRef idx="1">
+            <a:schemeClr val="accent1"/>
+          </a:lnRef>
+          <a:fillRef idx="0">
+            <a:schemeClr val="accent1"/>
+          </a:fillRef>
+          <a:effectRef idx="0">
+            <a:schemeClr val="accent1"/>
+          </a:effectRef>
+          <a:fontRef idx="minor">
+            <a:schemeClr val="tx1"/>
+          </a:fontRef>
+        </p:style>
+      </p:cxnSp>
       <p:sp>
         <p:nvSpPr>
           <p:cNvPr id="3" name="Inhaltsplatzhalter 2">
@@ -3456,12 +4091,19 @@
             <p:ph idx="1"/>
           </p:nvPr>
         </p:nvSpPr>
-        <p:spPr/>
-        <p:txBody>
-          <a:bodyPr/>
-          <a:lstStyle/>
-          <a:p>
-            <a:endParaRPr lang="de-DE"/>
+        <p:spPr>
+          <a:xfrm>
+            <a:off x="655320" y="2644518"/>
+            <a:ext cx="9013052" cy="3327251"/>
+          </a:xfrm>
+        </p:spPr>
+        <p:txBody>
+          <a:bodyPr>
+            <a:normAutofit/>
+          </a:bodyPr>
+          <a:lstStyle/>
+          <a:p>
+            <a:endParaRPr lang="de-DE" sz="2000" dirty="0"/>
           </a:p>
         </p:txBody>
       </p:sp>
@@ -3473,7 +4115,7 @@
     </p:extLst>
   </p:cSld>
   <p:clrMapOvr>
-    <a:masterClrMapping/>
+    <a:overrideClrMapping bg1="dk1" tx1="lt1" bg2="dk2" tx2="lt2" accent1="accent1" accent2="accent2" accent3="accent3" accent4="accent4" accent5="accent5" accent6="accent6" hlink="hlink" folHlink="folHlink"/>
   </p:clrMapOvr>
 </p:sld>
 </file>
@@ -3481,6 +4123,17 @@
 <file path=ppt/slides/slide3.xml><?xml version="1.0" encoding="utf-8"?>
 <p:sld xmlns:a="http://schemas.openxmlformats.org/drawingml/2006/main" xmlns:r="http://schemas.openxmlformats.org/officeDocument/2006/relationships" xmlns:p="http://schemas.openxmlformats.org/presentationml/2006/main">
   <p:cSld>
+    <p:bg>
+      <p:bgPr>
+        <a:solidFill>
+          <a:schemeClr val="bg1">
+            <a:lumMod val="75000"/>
+            <a:lumOff val="25000"/>
+          </a:schemeClr>
+        </a:solidFill>
+        <a:effectLst/>
+      </p:bgPr>
+    </p:bg>
     <p:spTree>
       <p:nvGrpSpPr>
         <p:cNvPr id="1" name=""/>
@@ -3497,6 +4150,173 @@
       </p:grpSpPr>
       <p:sp>
         <p:nvSpPr>
+          <p:cNvPr id="14" name="Freeform: Shape 7">
+            <a:extLst>
+              <a:ext uri="{FF2B5EF4-FFF2-40B4-BE49-F238E27FC236}">
+                <a16:creationId xmlns:a16="http://schemas.microsoft.com/office/drawing/2014/main" id="{48A740BC-A0AA-45E0-B899-2AE9C6FE11CA}"/>
+              </a:ext>
+              <a:ext uri="{C183D7F6-B498-43B3-948B-1728B52AA6E4}">
+                <adec:decorative xmlns:adec="http://schemas.microsoft.com/office/drawing/2017/decorative" val="1"/>
+              </a:ext>
+            </a:extLst>
+          </p:cNvPr>
+          <p:cNvSpPr>
+            <a:spLocks noGrp="1" noRot="1" noChangeAspect="1" noMove="1" noResize="1" noEditPoints="1" noAdjustHandles="1" noChangeArrowheads="1" noChangeShapeType="1" noTextEdit="1"/>
+          </p:cNvSpPr>
+          <p:nvPr>
+            <p:extLst>
+              <p:ext uri="{386F3935-93C4-4BCD-93E2-E3B085C9AB24}">
+                <p16:designElem xmlns:p16="http://schemas.microsoft.com/office/powerpoint/2015/main" val="1"/>
+              </p:ext>
+            </p:extLst>
+          </p:nvPr>
+        </p:nvSpPr>
+        <p:spPr>
+          <a:xfrm>
+            <a:off x="5913121" y="-2"/>
+            <a:ext cx="6278879" cy="6858002"/>
+          </a:xfrm>
+          <a:custGeom>
+            <a:avLst/>
+            <a:gdLst>
+              <a:gd name="connsiteX0" fmla="*/ 45572 w 6278879"/>
+              <a:gd name="connsiteY0" fmla="*/ 0 h 6858002"/>
+              <a:gd name="connsiteX1" fmla="*/ 6278879 w 6278879"/>
+              <a:gd name="connsiteY1" fmla="*/ 0 h 6858002"/>
+              <a:gd name="connsiteX2" fmla="*/ 6278879 w 6278879"/>
+              <a:gd name="connsiteY2" fmla="*/ 6858002 h 6858002"/>
+              <a:gd name="connsiteX3" fmla="*/ 3292308 w 6278879"/>
+              <a:gd name="connsiteY3" fmla="*/ 6858002 h 6858002"/>
+              <a:gd name="connsiteX4" fmla="*/ 3181526 w 6278879"/>
+              <a:gd name="connsiteY4" fmla="*/ 6786982 h 6858002"/>
+              <a:gd name="connsiteX5" fmla="*/ 0 w 6278879"/>
+              <a:gd name="connsiteY5" fmla="*/ 803254 h 6858002"/>
+              <a:gd name="connsiteX6" fmla="*/ 37255 w 6278879"/>
+              <a:gd name="connsiteY6" fmla="*/ 65447 h 6858002"/>
+            </a:gdLst>
+            <a:ahLst/>
+            <a:cxnLst>
+              <a:cxn ang="0">
+                <a:pos x="connsiteX0" y="connsiteY0"/>
+              </a:cxn>
+              <a:cxn ang="0">
+                <a:pos x="connsiteX1" y="connsiteY1"/>
+              </a:cxn>
+              <a:cxn ang="0">
+                <a:pos x="connsiteX2" y="connsiteY2"/>
+              </a:cxn>
+              <a:cxn ang="0">
+                <a:pos x="connsiteX3" y="connsiteY3"/>
+              </a:cxn>
+              <a:cxn ang="0">
+                <a:pos x="connsiteX4" y="connsiteY4"/>
+              </a:cxn>
+              <a:cxn ang="0">
+                <a:pos x="connsiteX5" y="connsiteY5"/>
+              </a:cxn>
+              <a:cxn ang="0">
+                <a:pos x="connsiteX6" y="connsiteY6"/>
+              </a:cxn>
+            </a:cxnLst>
+            <a:rect l="l" t="t" r="r" b="b"/>
+            <a:pathLst>
+              <a:path w="6278879" h="6858002">
+                <a:moveTo>
+                  <a:pt x="45572" y="0"/>
+                </a:moveTo>
+                <a:lnTo>
+                  <a:pt x="6278879" y="0"/>
+                </a:lnTo>
+                <a:lnTo>
+                  <a:pt x="6278879" y="6858002"/>
+                </a:lnTo>
+                <a:lnTo>
+                  <a:pt x="3292308" y="6858002"/>
+                </a:lnTo>
+                <a:lnTo>
+                  <a:pt x="3181526" y="6786982"/>
+                </a:lnTo>
+                <a:cubicBezTo>
+                  <a:pt x="1262021" y="5490191"/>
+                  <a:pt x="0" y="3294103"/>
+                  <a:pt x="0" y="803254"/>
+                </a:cubicBezTo>
+                <a:cubicBezTo>
+                  <a:pt x="0" y="554169"/>
+                  <a:pt x="12620" y="308032"/>
+                  <a:pt x="37255" y="65447"/>
+                </a:cubicBezTo>
+                <a:close/>
+              </a:path>
+            </a:pathLst>
+          </a:custGeom>
+          <a:solidFill>
+            <a:schemeClr val="bg1">
+              <a:lumMod val="85000"/>
+              <a:lumOff val="15000"/>
+              <a:alpha val="70000"/>
+            </a:schemeClr>
+          </a:solidFill>
+          <a:ln>
+            <a:noFill/>
+          </a:ln>
+        </p:spPr>
+        <p:style>
+          <a:lnRef idx="2">
+            <a:schemeClr val="accent1">
+              <a:shade val="50000"/>
+            </a:schemeClr>
+          </a:lnRef>
+          <a:fillRef idx="1">
+            <a:schemeClr val="accent1"/>
+          </a:fillRef>
+          <a:effectRef idx="0">
+            <a:schemeClr val="accent1"/>
+          </a:effectRef>
+          <a:fontRef idx="minor">
+            <a:schemeClr val="lt1"/>
+          </a:fontRef>
+        </p:style>
+        <p:txBody>
+          <a:bodyPr rtlCol="0" anchor="ctr"/>
+          <a:lstStyle/>
+          <a:p>
+            <a:pPr marL="0" marR="0" lvl="0" indent="0" algn="ctr" defTabSz="914400" rtl="0" eaLnBrk="1" fontAlgn="auto" latinLnBrk="0" hangingPunct="1">
+              <a:lnSpc>
+                <a:spcPct val="100000"/>
+              </a:lnSpc>
+              <a:spcBef>
+                <a:spcPts val="0"/>
+              </a:spcBef>
+              <a:spcAft>
+                <a:spcPts val="0"/>
+              </a:spcAft>
+              <a:buClrTx/>
+              <a:buSzTx/>
+              <a:buFontTx/>
+              <a:buNone/>
+              <a:tabLst/>
+              <a:defRPr/>
+            </a:pPr>
+            <a:endParaRPr kumimoji="0" lang="en-US" sz="1800" b="0" i="0" u="none" strike="noStrike" kern="1200" cap="none" spc="0" normalizeH="0" baseline="0" noProof="0">
+              <a:ln>
+                <a:noFill/>
+              </a:ln>
+              <a:solidFill>
+                <a:prstClr val="white"/>
+              </a:solidFill>
+              <a:effectLst/>
+              <a:uLnTx/>
+              <a:uFillTx/>
+              <a:latin typeface="Calibri" panose="020F0502020204030204"/>
+              <a:ea typeface="+mn-ea"/>
+              <a:cs typeface="+mn-cs"/>
+            </a:endParaRPr>
+          </a:p>
+        </p:txBody>
+      </p:sp>
+      <p:sp>
+        <p:nvSpPr>
           <p:cNvPr id="2" name="Titel 1">
             <a:extLst>
               <a:ext uri="{FF2B5EF4-FFF2-40B4-BE49-F238E27FC236}">
@@ -3511,52 +4331,87 @@
             <p:ph type="title"/>
           </p:nvPr>
         </p:nvSpPr>
-        <p:spPr/>
-        <p:txBody>
-          <a:bodyPr/>
-          <a:lstStyle/>
-          <a:p>
-            <a:r>
-              <a:rPr lang="de-DE" dirty="0"/>
-              <a:t>Zeiterfassungssystem</a:t>
-            </a:r>
-          </a:p>
-        </p:txBody>
-      </p:sp>
-      <p:sp>
-        <p:nvSpPr>
-          <p:cNvPr id="3" name="Inhaltsplatzhalter 2">
-            <a:extLst>
-              <a:ext uri="{FF2B5EF4-FFF2-40B4-BE49-F238E27FC236}">
-                <a16:creationId xmlns:a16="http://schemas.microsoft.com/office/drawing/2014/main" id="{B4057E79-6024-034B-9C10-F335BB827A32}"/>
-              </a:ext>
-            </a:extLst>
-          </p:cNvPr>
-          <p:cNvSpPr>
-            <a:spLocks noGrp="1"/>
-          </p:cNvSpPr>
-          <p:nvPr>
-            <p:ph idx="1"/>
-          </p:nvPr>
-        </p:nvSpPr>
-        <p:spPr/>
-        <p:txBody>
-          <a:bodyPr/>
-          <a:lstStyle/>
-          <a:p>
-            <a:endParaRPr lang="de-DE"/>
-          </a:p>
-        </p:txBody>
-      </p:sp>
+        <p:spPr>
+          <a:xfrm>
+            <a:off x="655320" y="365125"/>
+            <a:ext cx="9013052" cy="1065118"/>
+          </a:xfrm>
+        </p:spPr>
+        <p:txBody>
+          <a:bodyPr anchor="b">
+            <a:normAutofit/>
+          </a:bodyPr>
+          <a:lstStyle/>
+          <a:p>
+            <a:r>
+              <a:rPr lang="de-DE" sz="4000" dirty="0"/>
+              <a:t>Prototyp V 1.0</a:t>
+            </a:r>
+          </a:p>
+        </p:txBody>
+      </p:sp>
+      <p:cxnSp>
+        <p:nvCxnSpPr>
+          <p:cNvPr id="15" name="Straight Arrow Connector 9">
+            <a:extLst>
+              <a:ext uri="{FF2B5EF4-FFF2-40B4-BE49-F238E27FC236}">
+                <a16:creationId xmlns:a16="http://schemas.microsoft.com/office/drawing/2014/main" id="{B874EF51-C858-4BB9-97C3-D17755787127}"/>
+              </a:ext>
+              <a:ext uri="{C183D7F6-B498-43B3-948B-1728B52AA6E4}">
+                <adec:decorative xmlns:adec="http://schemas.microsoft.com/office/drawing/2017/decorative" val="1"/>
+              </a:ext>
+            </a:extLst>
+          </p:cNvPr>
+          <p:cNvCxnSpPr>
+            <a:cxnSpLocks noGrp="1" noRot="1" noChangeAspect="1" noMove="1" noResize="1" noEditPoints="1" noAdjustHandles="1" noChangeArrowheads="1" noChangeShapeType="1"/>
+          </p:cNvCxnSpPr>
+          <p:nvPr>
+            <p:extLst>
+              <p:ext uri="{386F3935-93C4-4BCD-93E2-E3B085C9AB24}">
+                <p16:designElem xmlns:p16="http://schemas.microsoft.com/office/powerpoint/2015/main" val="1"/>
+              </p:ext>
+            </p:extLst>
+          </p:nvPr>
+        </p:nvCxnSpPr>
+        <p:spPr>
+          <a:xfrm>
+            <a:off x="763661" y="2316480"/>
+            <a:ext cx="8229600" cy="0"/>
+          </a:xfrm>
+          <a:prstGeom prst="straightConnector1">
+            <a:avLst/>
+          </a:prstGeom>
+          <a:ln w="19050" cap="sq">
+            <a:solidFill>
+              <a:schemeClr val="tx1"/>
+            </a:solidFill>
+            <a:tailEnd type="none"/>
+          </a:ln>
+        </p:spPr>
+        <p:style>
+          <a:lnRef idx="1">
+            <a:schemeClr val="accent1"/>
+          </a:lnRef>
+          <a:fillRef idx="0">
+            <a:schemeClr val="accent1"/>
+          </a:fillRef>
+          <a:effectRef idx="0">
+            <a:schemeClr val="accent1"/>
+          </a:effectRef>
+          <a:fontRef idx="minor">
+            <a:schemeClr val="tx1"/>
+          </a:fontRef>
+        </p:style>
+      </p:cxnSp>
     </p:spTree>
     <p:extLst>
       <p:ext uri="{BB962C8B-B14F-4D97-AF65-F5344CB8AC3E}">
-        <p14:creationId xmlns:p14="http://schemas.microsoft.com/office/powerpoint/2010/main" val="3990890145"/>
+        <p14:creationId xmlns:p14="http://schemas.microsoft.com/office/powerpoint/2010/main" val="3102547267"/>
       </p:ext>
     </p:extLst>
   </p:cSld>
   <p:clrMapOvr>
-    <a:masterClrMapping/>
+    <a:overrideClrMapping bg1="dk1" tx1="lt1" bg2="dk2" tx2="lt2" accent1="accent1" accent2="accent2" accent3="accent3" accent4="accent4" accent5="accent5" accent6="accent6" hlink="hlink" folHlink="folHlink"/>
   </p:clrMapOvr>
 </p:sld>
 </file>
@@ -3564,6 +4419,17 @@
 <file path=ppt/slides/slide4.xml><?xml version="1.0" encoding="utf-8"?>
 <p:sld xmlns:a="http://schemas.openxmlformats.org/drawingml/2006/main" xmlns:r="http://schemas.openxmlformats.org/officeDocument/2006/relationships" xmlns:p="http://schemas.openxmlformats.org/presentationml/2006/main">
   <p:cSld>
+    <p:bg>
+      <p:bgPr>
+        <a:solidFill>
+          <a:schemeClr val="tx1">
+            <a:lumMod val="75000"/>
+            <a:lumOff val="25000"/>
+          </a:schemeClr>
+        </a:solidFill>
+        <a:effectLst/>
+      </p:bgPr>
+    </p:bg>
     <p:spTree>
       <p:nvGrpSpPr>
         <p:cNvPr id="1" name=""/>
@@ -3583,6 +4449,2484 @@
           <p:cNvPr id="2" name="Titel 1">
             <a:extLst>
               <a:ext uri="{FF2B5EF4-FFF2-40B4-BE49-F238E27FC236}">
+                <a16:creationId xmlns:a16="http://schemas.microsoft.com/office/drawing/2014/main" id="{E75ECE54-6955-BD44-A02F-7460ABF14506}"/>
+              </a:ext>
+            </a:extLst>
+          </p:cNvPr>
+          <p:cNvSpPr>
+            <a:spLocks noGrp="1"/>
+          </p:cNvSpPr>
+          <p:nvPr>
+            <p:ph type="ctrTitle"/>
+          </p:nvPr>
+        </p:nvSpPr>
+        <p:spPr>
+          <a:xfrm>
+            <a:off x="1524000" y="248452"/>
+            <a:ext cx="9144000" cy="781851"/>
+          </a:xfrm>
+        </p:spPr>
+        <p:txBody>
+          <a:bodyPr>
+            <a:normAutofit/>
+          </a:bodyPr>
+          <a:lstStyle/>
+          <a:p>
+            <a:r>
+              <a:rPr lang="de-DE" sz="4800" dirty="0">
+                <a:solidFill>
+                  <a:schemeClr val="bg1">
+                    <a:lumMod val="85000"/>
+                  </a:schemeClr>
+                </a:solidFill>
+              </a:rPr>
+              <a:t>Use-Case Diagramm</a:t>
+            </a:r>
+          </a:p>
+        </p:txBody>
+      </p:sp>
+      <p:sp>
+        <p:nvSpPr>
+          <p:cNvPr id="3" name="Untertitel 2">
+            <a:extLst>
+              <a:ext uri="{FF2B5EF4-FFF2-40B4-BE49-F238E27FC236}">
+                <a16:creationId xmlns:a16="http://schemas.microsoft.com/office/drawing/2014/main" id="{D64EC976-BB9A-1947-B182-70E081492AFB}"/>
+              </a:ext>
+            </a:extLst>
+          </p:cNvPr>
+          <p:cNvSpPr>
+            <a:spLocks noGrp="1"/>
+          </p:cNvSpPr>
+          <p:nvPr>
+            <p:ph type="subTitle" idx="1"/>
+          </p:nvPr>
+        </p:nvSpPr>
+        <p:spPr>
+          <a:xfrm>
+            <a:off x="1524000" y="1030303"/>
+            <a:ext cx="9144000" cy="394927"/>
+          </a:xfrm>
+        </p:spPr>
+        <p:txBody>
+          <a:bodyPr>
+            <a:normAutofit lnSpcReduction="10000"/>
+          </a:bodyPr>
+          <a:lstStyle/>
+          <a:p>
+            <a:r>
+              <a:rPr lang="de-DE" dirty="0">
+                <a:solidFill>
+                  <a:schemeClr val="bg1">
+                    <a:lumMod val="85000"/>
+                  </a:schemeClr>
+                </a:solidFill>
+              </a:rPr>
+              <a:t>Time4You</a:t>
+            </a:r>
+          </a:p>
+        </p:txBody>
+      </p:sp>
+      <p:pic>
+        <p:nvPicPr>
+          <p:cNvPr id="4" name="Grafik 3" descr="Programmierer">
+            <a:extLst>
+              <a:ext uri="{FF2B5EF4-FFF2-40B4-BE49-F238E27FC236}">
+                <a16:creationId xmlns:a16="http://schemas.microsoft.com/office/drawing/2014/main" id="{4E171CF7-9A13-344A-ADD3-63A9AF59679B}"/>
+              </a:ext>
+            </a:extLst>
+          </p:cNvPr>
+          <p:cNvPicPr>
+            <a:picLocks noChangeAspect="1"/>
+          </p:cNvPicPr>
+          <p:nvPr/>
+        </p:nvPicPr>
+        <p:blipFill>
+          <a:blip r:embed="rId2">
+            <a:extLst>
+              <a:ext uri="{28A0092B-C50C-407E-A947-70E740481C1C}">
+                <a14:useLocalDpi xmlns:a14="http://schemas.microsoft.com/office/drawing/2010/main" val="0"/>
+              </a:ext>
+              <a:ext uri="{96DAC541-7B7A-43D3-8B79-37D633B846F1}">
+                <asvg:svgBlip xmlns:asvg="http://schemas.microsoft.com/office/drawing/2016/SVG/main" r:embed="rId3"/>
+              </a:ext>
+            </a:extLst>
+          </a:blip>
+          <a:stretch>
+            <a:fillRect/>
+          </a:stretch>
+        </p:blipFill>
+        <p:spPr>
+          <a:xfrm>
+            <a:off x="450665" y="3016342"/>
+            <a:ext cx="914400" cy="914400"/>
+          </a:xfrm>
+          <a:prstGeom prst="rect">
+            <a:avLst/>
+          </a:prstGeom>
+        </p:spPr>
+      </p:pic>
+      <p:pic>
+        <p:nvPicPr>
+          <p:cNvPr id="5" name="Grafik 4" descr="Programmierer">
+            <a:extLst>
+              <a:ext uri="{FF2B5EF4-FFF2-40B4-BE49-F238E27FC236}">
+                <a16:creationId xmlns:a16="http://schemas.microsoft.com/office/drawing/2014/main" id="{17DFA48E-C91B-7949-A336-5010E4140B19}"/>
+              </a:ext>
+            </a:extLst>
+          </p:cNvPr>
+          <p:cNvPicPr>
+            <a:picLocks noChangeAspect="1"/>
+          </p:cNvPicPr>
+          <p:nvPr/>
+        </p:nvPicPr>
+        <p:blipFill>
+          <a:blip r:embed="rId2">
+            <a:extLst>
+              <a:ext uri="{28A0092B-C50C-407E-A947-70E740481C1C}">
+                <a14:useLocalDpi xmlns:a14="http://schemas.microsoft.com/office/drawing/2010/main" val="0"/>
+              </a:ext>
+              <a:ext uri="{96DAC541-7B7A-43D3-8B79-37D633B846F1}">
+                <asvg:svgBlip xmlns:asvg="http://schemas.microsoft.com/office/drawing/2016/SVG/main" r:embed="rId3"/>
+              </a:ext>
+            </a:extLst>
+          </a:blip>
+          <a:stretch>
+            <a:fillRect/>
+          </a:stretch>
+        </p:blipFill>
+        <p:spPr>
+          <a:xfrm>
+            <a:off x="10826956" y="3016342"/>
+            <a:ext cx="914400" cy="914400"/>
+          </a:xfrm>
+          <a:prstGeom prst="rect">
+            <a:avLst/>
+          </a:prstGeom>
+        </p:spPr>
+      </p:pic>
+      <p:sp>
+        <p:nvSpPr>
+          <p:cNvPr id="8" name="Abgerundetes Rechteck 7">
+            <a:extLst>
+              <a:ext uri="{FF2B5EF4-FFF2-40B4-BE49-F238E27FC236}">
+                <a16:creationId xmlns:a16="http://schemas.microsoft.com/office/drawing/2014/main" id="{6FBDAB07-E8A7-A242-B1E6-2E0F256D7A11}"/>
+              </a:ext>
+            </a:extLst>
+          </p:cNvPr>
+          <p:cNvSpPr/>
+          <p:nvPr/>
+        </p:nvSpPr>
+        <p:spPr>
+          <a:xfrm>
+            <a:off x="2207491" y="1690688"/>
+            <a:ext cx="7777018" cy="4402467"/>
+          </a:xfrm>
+          <a:prstGeom prst="roundRect">
+            <a:avLst/>
+          </a:prstGeom>
+          <a:solidFill>
+            <a:schemeClr val="tx1">
+              <a:lumMod val="65000"/>
+              <a:lumOff val="35000"/>
+            </a:schemeClr>
+          </a:solidFill>
+          <a:ln>
+            <a:solidFill>
+              <a:schemeClr val="tx1">
+                <a:lumMod val="65000"/>
+                <a:lumOff val="35000"/>
+              </a:schemeClr>
+            </a:solidFill>
+          </a:ln>
+          <a:effectLst>
+            <a:outerShdw blurRad="50800" dist="38100" dir="2700000" algn="tl" rotWithShape="0">
+              <a:prstClr val="black">
+                <a:alpha val="40000"/>
+              </a:prstClr>
+            </a:outerShdw>
+          </a:effectLst>
+        </p:spPr>
+        <p:style>
+          <a:lnRef idx="2">
+            <a:schemeClr val="accent1">
+              <a:shade val="50000"/>
+            </a:schemeClr>
+          </a:lnRef>
+          <a:fillRef idx="1">
+            <a:schemeClr val="accent1"/>
+          </a:fillRef>
+          <a:effectRef idx="0">
+            <a:schemeClr val="accent1"/>
+          </a:effectRef>
+          <a:fontRef idx="minor">
+            <a:schemeClr val="lt1"/>
+          </a:fontRef>
+        </p:style>
+        <p:txBody>
+          <a:bodyPr rtlCol="0" anchor="ctr"/>
+          <a:lstStyle/>
+          <a:p>
+            <a:pPr algn="ctr"/>
+            <a:endParaRPr lang="de-DE" dirty="0"/>
+          </a:p>
+        </p:txBody>
+      </p:sp>
+      <p:sp>
+        <p:nvSpPr>
+          <p:cNvPr id="9" name="Textfeld 8">
+            <a:extLst>
+              <a:ext uri="{FF2B5EF4-FFF2-40B4-BE49-F238E27FC236}">
+                <a16:creationId xmlns:a16="http://schemas.microsoft.com/office/drawing/2014/main" id="{CB57E45A-A548-8340-9119-3F1BE653BF41}"/>
+              </a:ext>
+            </a:extLst>
+          </p:cNvPr>
+          <p:cNvSpPr txBox="1"/>
+          <p:nvPr/>
+        </p:nvSpPr>
+        <p:spPr>
+          <a:xfrm>
+            <a:off x="277981" y="3930741"/>
+            <a:ext cx="1259768" cy="646331"/>
+          </a:xfrm>
+          <a:prstGeom prst="rect">
+            <a:avLst/>
+          </a:prstGeom>
+          <a:noFill/>
+        </p:spPr>
+        <p:txBody>
+          <a:bodyPr wrap="none" rtlCol="0">
+            <a:spAutoFit/>
+          </a:bodyPr>
+          <a:lstStyle/>
+          <a:p>
+            <a:pPr algn="ctr"/>
+            <a:r>
+              <a:rPr lang="de-DE" dirty="0">
+                <a:solidFill>
+                  <a:schemeClr val="bg1">
+                    <a:lumMod val="85000"/>
+                  </a:schemeClr>
+                </a:solidFill>
+              </a:rPr>
+              <a:t>Standard</a:t>
+            </a:r>
+          </a:p>
+          <a:p>
+            <a:pPr algn="ctr"/>
+            <a:r>
+              <a:rPr lang="de-DE" dirty="0">
+                <a:solidFill>
+                  <a:schemeClr val="bg1">
+                    <a:lumMod val="85000"/>
+                  </a:schemeClr>
+                </a:solidFill>
+              </a:rPr>
+              <a:t>Mitarbeiter</a:t>
+            </a:r>
+          </a:p>
+        </p:txBody>
+      </p:sp>
+      <p:sp>
+        <p:nvSpPr>
+          <p:cNvPr id="10" name="Textfeld 9">
+            <a:extLst>
+              <a:ext uri="{FF2B5EF4-FFF2-40B4-BE49-F238E27FC236}">
+                <a16:creationId xmlns:a16="http://schemas.microsoft.com/office/drawing/2014/main" id="{BE23C6B3-60D0-4B44-B242-814D4574AA57}"/>
+              </a:ext>
+            </a:extLst>
+          </p:cNvPr>
+          <p:cNvSpPr txBox="1"/>
+          <p:nvPr/>
+        </p:nvSpPr>
+        <p:spPr>
+          <a:xfrm>
+            <a:off x="10612818" y="3930742"/>
+            <a:ext cx="1342675" cy="646331"/>
+          </a:xfrm>
+          <a:prstGeom prst="rect">
+            <a:avLst/>
+          </a:prstGeom>
+          <a:noFill/>
+        </p:spPr>
+        <p:txBody>
+          <a:bodyPr wrap="none" rtlCol="0">
+            <a:spAutoFit/>
+          </a:bodyPr>
+          <a:lstStyle/>
+          <a:p>
+            <a:pPr algn="ctr"/>
+            <a:r>
+              <a:rPr lang="de-DE" dirty="0">
+                <a:solidFill>
+                  <a:schemeClr val="bg1">
+                    <a:lumMod val="85000"/>
+                  </a:schemeClr>
+                </a:solidFill>
+              </a:rPr>
+              <a:t>Projektleiter</a:t>
+            </a:r>
+          </a:p>
+          <a:p>
+            <a:pPr algn="ctr"/>
+            <a:r>
+              <a:rPr lang="de-DE" dirty="0">
+                <a:solidFill>
+                  <a:schemeClr val="bg1">
+                    <a:lumMod val="85000"/>
+                  </a:schemeClr>
+                </a:solidFill>
+              </a:rPr>
+              <a:t>Mitarbeiter</a:t>
+            </a:r>
+          </a:p>
+        </p:txBody>
+      </p:sp>
+      <p:sp>
+        <p:nvSpPr>
+          <p:cNvPr id="12" name="Oval 11">
+            <a:extLst>
+              <a:ext uri="{FF2B5EF4-FFF2-40B4-BE49-F238E27FC236}">
+                <a16:creationId xmlns:a16="http://schemas.microsoft.com/office/drawing/2014/main" id="{9E301F06-0913-D848-A382-CDB3611056B1}"/>
+              </a:ext>
+            </a:extLst>
+          </p:cNvPr>
+          <p:cNvSpPr/>
+          <p:nvPr/>
+        </p:nvSpPr>
+        <p:spPr>
+          <a:xfrm>
+            <a:off x="5437435" y="2055679"/>
+            <a:ext cx="1313874" cy="539298"/>
+          </a:xfrm>
+          <a:prstGeom prst="ellipse">
+            <a:avLst/>
+          </a:prstGeom>
+          <a:solidFill>
+            <a:schemeClr val="tx2">
+              <a:lumMod val="40000"/>
+              <a:lumOff val="60000"/>
+            </a:schemeClr>
+          </a:solidFill>
+          <a:ln>
+            <a:solidFill>
+              <a:schemeClr val="tx2">
+                <a:lumMod val="40000"/>
+                <a:lumOff val="60000"/>
+              </a:schemeClr>
+            </a:solidFill>
+          </a:ln>
+          <a:effectLst>
+            <a:outerShdw blurRad="50800" dist="38100" dir="2700000" algn="tl" rotWithShape="0">
+              <a:prstClr val="black">
+                <a:alpha val="40000"/>
+              </a:prstClr>
+            </a:outerShdw>
+          </a:effectLst>
+        </p:spPr>
+        <p:style>
+          <a:lnRef idx="2">
+            <a:schemeClr val="accent1">
+              <a:shade val="50000"/>
+            </a:schemeClr>
+          </a:lnRef>
+          <a:fillRef idx="1">
+            <a:schemeClr val="accent1"/>
+          </a:fillRef>
+          <a:effectRef idx="0">
+            <a:schemeClr val="accent1"/>
+          </a:effectRef>
+          <a:fontRef idx="minor">
+            <a:schemeClr val="lt1"/>
+          </a:fontRef>
+        </p:style>
+        <p:txBody>
+          <a:bodyPr rtlCol="0" anchor="ctr"/>
+          <a:lstStyle/>
+          <a:p>
+            <a:pPr algn="ctr"/>
+            <a:r>
+              <a:rPr lang="de-DE" sz="1200" dirty="0"/>
+              <a:t>Anmeldung</a:t>
+            </a:r>
+            <a:endParaRPr lang="de-DE" dirty="0"/>
+          </a:p>
+        </p:txBody>
+      </p:sp>
+      <p:cxnSp>
+        <p:nvCxnSpPr>
+          <p:cNvPr id="15" name="Gerade Verbindung 14">
+            <a:extLst>
+              <a:ext uri="{FF2B5EF4-FFF2-40B4-BE49-F238E27FC236}">
+                <a16:creationId xmlns:a16="http://schemas.microsoft.com/office/drawing/2014/main" id="{4E7F031D-9FB2-4C49-A952-592358E6966D}"/>
+              </a:ext>
+            </a:extLst>
+          </p:cNvPr>
+          <p:cNvCxnSpPr>
+            <a:cxnSpLocks/>
+            <a:stCxn id="4" idx="3"/>
+            <a:endCxn id="12" idx="2"/>
+          </p:cNvCxnSpPr>
+          <p:nvPr/>
+        </p:nvCxnSpPr>
+        <p:spPr>
+          <a:xfrm flipV="1">
+            <a:off x="1365065" y="2325328"/>
+            <a:ext cx="4072370" cy="1148214"/>
+          </a:xfrm>
+          <a:prstGeom prst="line">
+            <a:avLst/>
+          </a:prstGeom>
+          <a:ln w="19050">
+            <a:solidFill>
+              <a:schemeClr val="accent1"/>
+            </a:solidFill>
+          </a:ln>
+        </p:spPr>
+        <p:style>
+          <a:lnRef idx="1">
+            <a:schemeClr val="accent1"/>
+          </a:lnRef>
+          <a:fillRef idx="0">
+            <a:schemeClr val="accent1"/>
+          </a:fillRef>
+          <a:effectRef idx="0">
+            <a:schemeClr val="accent1"/>
+          </a:effectRef>
+          <a:fontRef idx="minor">
+            <a:schemeClr val="tx1"/>
+          </a:fontRef>
+        </p:style>
+      </p:cxnSp>
+      <p:cxnSp>
+        <p:nvCxnSpPr>
+          <p:cNvPr id="16" name="Gerade Verbindung 15">
+            <a:extLst>
+              <a:ext uri="{FF2B5EF4-FFF2-40B4-BE49-F238E27FC236}">
+                <a16:creationId xmlns:a16="http://schemas.microsoft.com/office/drawing/2014/main" id="{65DBB997-9479-B443-A65C-EC4631D83891}"/>
+              </a:ext>
+            </a:extLst>
+          </p:cNvPr>
+          <p:cNvCxnSpPr>
+            <a:cxnSpLocks/>
+            <a:stCxn id="12" idx="6"/>
+          </p:cNvCxnSpPr>
+          <p:nvPr/>
+        </p:nvCxnSpPr>
+        <p:spPr>
+          <a:xfrm>
+            <a:off x="6751309" y="2325328"/>
+            <a:ext cx="3916691" cy="1210487"/>
+          </a:xfrm>
+          <a:prstGeom prst="line">
+            <a:avLst/>
+          </a:prstGeom>
+          <a:ln w="19050">
+            <a:solidFill>
+              <a:schemeClr val="accent1"/>
+            </a:solidFill>
+          </a:ln>
+        </p:spPr>
+        <p:style>
+          <a:lnRef idx="1">
+            <a:schemeClr val="accent1"/>
+          </a:lnRef>
+          <a:fillRef idx="0">
+            <a:schemeClr val="accent1"/>
+          </a:fillRef>
+          <a:effectRef idx="0">
+            <a:schemeClr val="accent1"/>
+          </a:effectRef>
+          <a:fontRef idx="minor">
+            <a:schemeClr val="tx1"/>
+          </a:fontRef>
+        </p:style>
+      </p:cxnSp>
+      <p:cxnSp>
+        <p:nvCxnSpPr>
+          <p:cNvPr id="21" name="Gerade Verbindung mit Pfeil 20">
+            <a:extLst>
+              <a:ext uri="{FF2B5EF4-FFF2-40B4-BE49-F238E27FC236}">
+                <a16:creationId xmlns:a16="http://schemas.microsoft.com/office/drawing/2014/main" id="{4255BF7E-0B72-BC49-81BA-1C21FCC47DEE}"/>
+              </a:ext>
+            </a:extLst>
+          </p:cNvPr>
+          <p:cNvCxnSpPr>
+            <a:cxnSpLocks/>
+            <a:stCxn id="12" idx="4"/>
+            <a:endCxn id="22" idx="0"/>
+          </p:cNvCxnSpPr>
+          <p:nvPr/>
+        </p:nvCxnSpPr>
+        <p:spPr>
+          <a:xfrm flipH="1">
+            <a:off x="5091297" y="2594977"/>
+            <a:ext cx="1003075" cy="697069"/>
+          </a:xfrm>
+          <a:prstGeom prst="straightConnector1">
+            <a:avLst/>
+          </a:prstGeom>
+          <a:ln w="22225">
+            <a:solidFill>
+              <a:schemeClr val="accent1"/>
+            </a:solidFill>
+            <a:prstDash val="sysDash"/>
+            <a:tailEnd type="triangle"/>
+          </a:ln>
+        </p:spPr>
+        <p:style>
+          <a:lnRef idx="1">
+            <a:schemeClr val="accent1"/>
+          </a:lnRef>
+          <a:fillRef idx="0">
+            <a:schemeClr val="accent1"/>
+          </a:fillRef>
+          <a:effectRef idx="0">
+            <a:schemeClr val="accent1"/>
+          </a:effectRef>
+          <a:fontRef idx="minor">
+            <a:schemeClr val="tx1"/>
+          </a:fontRef>
+        </p:style>
+      </p:cxnSp>
+      <p:sp>
+        <p:nvSpPr>
+          <p:cNvPr id="22" name="Oval 21">
+            <a:extLst>
+              <a:ext uri="{FF2B5EF4-FFF2-40B4-BE49-F238E27FC236}">
+                <a16:creationId xmlns:a16="http://schemas.microsoft.com/office/drawing/2014/main" id="{B5393F3F-BDBD-5E41-825B-7242A1851791}"/>
+              </a:ext>
+            </a:extLst>
+          </p:cNvPr>
+          <p:cNvSpPr/>
+          <p:nvPr/>
+        </p:nvSpPr>
+        <p:spPr>
+          <a:xfrm>
+            <a:off x="4329652" y="3292046"/>
+            <a:ext cx="1523290" cy="597956"/>
+          </a:xfrm>
+          <a:prstGeom prst="ellipse">
+            <a:avLst/>
+          </a:prstGeom>
+          <a:solidFill>
+            <a:schemeClr val="tx2">
+              <a:lumMod val="40000"/>
+              <a:lumOff val="60000"/>
+            </a:schemeClr>
+          </a:solidFill>
+          <a:ln>
+            <a:solidFill>
+              <a:schemeClr val="tx2">
+                <a:lumMod val="40000"/>
+                <a:lumOff val="60000"/>
+              </a:schemeClr>
+            </a:solidFill>
+          </a:ln>
+          <a:effectLst>
+            <a:outerShdw blurRad="50800" dist="38100" dir="2700000" algn="tl" rotWithShape="0">
+              <a:prstClr val="black">
+                <a:alpha val="40000"/>
+              </a:prstClr>
+            </a:outerShdw>
+          </a:effectLst>
+        </p:spPr>
+        <p:style>
+          <a:lnRef idx="2">
+            <a:schemeClr val="accent1">
+              <a:shade val="50000"/>
+            </a:schemeClr>
+          </a:lnRef>
+          <a:fillRef idx="1">
+            <a:schemeClr val="accent1"/>
+          </a:fillRef>
+          <a:effectRef idx="0">
+            <a:schemeClr val="accent1"/>
+          </a:effectRef>
+          <a:fontRef idx="minor">
+            <a:schemeClr val="lt1"/>
+          </a:fontRef>
+        </p:style>
+        <p:txBody>
+          <a:bodyPr rtlCol="0" anchor="ctr"/>
+          <a:lstStyle/>
+          <a:p>
+            <a:pPr algn="ctr"/>
+            <a:r>
+              <a:rPr lang="de-DE" sz="1200" dirty="0"/>
+              <a:t>Zeiterfassungs</a:t>
+            </a:r>
+          </a:p>
+          <a:p>
+            <a:pPr algn="ctr"/>
+            <a:r>
+              <a:rPr lang="de-DE" sz="1200" dirty="0"/>
+              <a:t>Seite</a:t>
+            </a:r>
+          </a:p>
+        </p:txBody>
+      </p:sp>
+      <p:sp>
+        <p:nvSpPr>
+          <p:cNvPr id="23" name="Textfeld 22">
+            <a:extLst>
+              <a:ext uri="{FF2B5EF4-FFF2-40B4-BE49-F238E27FC236}">
+                <a16:creationId xmlns:a16="http://schemas.microsoft.com/office/drawing/2014/main" id="{1F5B43D9-5B6B-974A-8DBD-CAC8D894357F}"/>
+              </a:ext>
+            </a:extLst>
+          </p:cNvPr>
+          <p:cNvSpPr txBox="1"/>
+          <p:nvPr/>
+        </p:nvSpPr>
+        <p:spPr>
+          <a:xfrm>
+            <a:off x="5721912" y="2812409"/>
+            <a:ext cx="1214886" cy="261610"/>
+          </a:xfrm>
+          <a:prstGeom prst="rect">
+            <a:avLst/>
+          </a:prstGeom>
+          <a:noFill/>
+        </p:spPr>
+        <p:txBody>
+          <a:bodyPr wrap="square" rtlCol="0">
+            <a:spAutoFit/>
+          </a:bodyPr>
+          <a:lstStyle/>
+          <a:p>
+            <a:r>
+              <a:rPr lang="de-DE" sz="1100" dirty="0">
+                <a:solidFill>
+                  <a:schemeClr val="accent1"/>
+                </a:solidFill>
+              </a:rPr>
+              <a:t>“Verifizierung“</a:t>
+            </a:r>
+          </a:p>
+        </p:txBody>
+      </p:sp>
+      <p:cxnSp>
+        <p:nvCxnSpPr>
+          <p:cNvPr id="30" name="Gerade Verbindung mit Pfeil 29">
+            <a:extLst>
+              <a:ext uri="{FF2B5EF4-FFF2-40B4-BE49-F238E27FC236}">
+                <a16:creationId xmlns:a16="http://schemas.microsoft.com/office/drawing/2014/main" id="{8C520FF9-2009-474F-ABBC-3AF579375502}"/>
+              </a:ext>
+            </a:extLst>
+          </p:cNvPr>
+          <p:cNvCxnSpPr>
+            <a:cxnSpLocks/>
+            <a:stCxn id="22" idx="3"/>
+            <a:endCxn id="39" idx="0"/>
+          </p:cNvCxnSpPr>
+          <p:nvPr/>
+        </p:nvCxnSpPr>
+        <p:spPr>
+          <a:xfrm flipH="1">
+            <a:off x="3435619" y="3802433"/>
+            <a:ext cx="1117114" cy="743768"/>
+          </a:xfrm>
+          <a:prstGeom prst="straightConnector1">
+            <a:avLst/>
+          </a:prstGeom>
+          <a:ln w="22225">
+            <a:solidFill>
+              <a:schemeClr val="accent1"/>
+            </a:solidFill>
+            <a:prstDash val="sysDash"/>
+            <a:tailEnd type="triangle"/>
+          </a:ln>
+        </p:spPr>
+        <p:style>
+          <a:lnRef idx="1">
+            <a:schemeClr val="accent1"/>
+          </a:lnRef>
+          <a:fillRef idx="0">
+            <a:schemeClr val="accent1"/>
+          </a:fillRef>
+          <a:effectRef idx="0">
+            <a:schemeClr val="accent1"/>
+          </a:effectRef>
+          <a:fontRef idx="minor">
+            <a:schemeClr val="tx1"/>
+          </a:fontRef>
+        </p:style>
+      </p:cxnSp>
+      <p:cxnSp>
+        <p:nvCxnSpPr>
+          <p:cNvPr id="32" name="Gerade Verbindung mit Pfeil 31">
+            <a:extLst>
+              <a:ext uri="{FF2B5EF4-FFF2-40B4-BE49-F238E27FC236}">
+                <a16:creationId xmlns:a16="http://schemas.microsoft.com/office/drawing/2014/main" id="{AC4E0278-ED32-6743-A1E7-7230BEE6D78D}"/>
+              </a:ext>
+            </a:extLst>
+          </p:cNvPr>
+          <p:cNvCxnSpPr>
+            <a:cxnSpLocks/>
+            <a:stCxn id="22" idx="4"/>
+            <a:endCxn id="37" idx="0"/>
+          </p:cNvCxnSpPr>
+          <p:nvPr/>
+        </p:nvCxnSpPr>
+        <p:spPr>
+          <a:xfrm>
+            <a:off x="5091297" y="3890002"/>
+            <a:ext cx="0" cy="645053"/>
+          </a:xfrm>
+          <a:prstGeom prst="straightConnector1">
+            <a:avLst/>
+          </a:prstGeom>
+          <a:ln w="22225">
+            <a:solidFill>
+              <a:schemeClr val="accent1"/>
+            </a:solidFill>
+            <a:prstDash val="sysDash"/>
+            <a:tailEnd type="triangle"/>
+          </a:ln>
+        </p:spPr>
+        <p:style>
+          <a:lnRef idx="1">
+            <a:schemeClr val="accent1"/>
+          </a:lnRef>
+          <a:fillRef idx="0">
+            <a:schemeClr val="accent1"/>
+          </a:fillRef>
+          <a:effectRef idx="0">
+            <a:schemeClr val="accent1"/>
+          </a:effectRef>
+          <a:fontRef idx="minor">
+            <a:schemeClr val="tx1"/>
+          </a:fontRef>
+        </p:style>
+      </p:cxnSp>
+      <p:cxnSp>
+        <p:nvCxnSpPr>
+          <p:cNvPr id="34" name="Gerade Verbindung mit Pfeil 33">
+            <a:extLst>
+              <a:ext uri="{FF2B5EF4-FFF2-40B4-BE49-F238E27FC236}">
+                <a16:creationId xmlns:a16="http://schemas.microsoft.com/office/drawing/2014/main" id="{E30FA9BB-E9B1-024F-BC3C-5C32AC47FF36}"/>
+              </a:ext>
+            </a:extLst>
+          </p:cNvPr>
+          <p:cNvCxnSpPr>
+            <a:cxnSpLocks/>
+            <a:stCxn id="22" idx="5"/>
+            <a:endCxn id="38" idx="0"/>
+          </p:cNvCxnSpPr>
+          <p:nvPr/>
+        </p:nvCxnSpPr>
+        <p:spPr>
+          <a:xfrm>
+            <a:off x="5629861" y="3802433"/>
+            <a:ext cx="1117114" cy="742136"/>
+          </a:xfrm>
+          <a:prstGeom prst="straightConnector1">
+            <a:avLst/>
+          </a:prstGeom>
+          <a:ln w="22225">
+            <a:solidFill>
+              <a:schemeClr val="accent1"/>
+            </a:solidFill>
+            <a:prstDash val="sysDash"/>
+            <a:tailEnd type="triangle"/>
+          </a:ln>
+        </p:spPr>
+        <p:style>
+          <a:lnRef idx="1">
+            <a:schemeClr val="accent1"/>
+          </a:lnRef>
+          <a:fillRef idx="0">
+            <a:schemeClr val="accent1"/>
+          </a:fillRef>
+          <a:effectRef idx="0">
+            <a:schemeClr val="accent1"/>
+          </a:effectRef>
+          <a:fontRef idx="minor">
+            <a:schemeClr val="tx1"/>
+          </a:fontRef>
+        </p:style>
+      </p:cxnSp>
+      <p:sp>
+        <p:nvSpPr>
+          <p:cNvPr id="37" name="Oval 36">
+            <a:extLst>
+              <a:ext uri="{FF2B5EF4-FFF2-40B4-BE49-F238E27FC236}">
+                <a16:creationId xmlns:a16="http://schemas.microsoft.com/office/drawing/2014/main" id="{9D72E4F7-DDBF-0D4C-826E-7E6459821674}"/>
+              </a:ext>
+            </a:extLst>
+          </p:cNvPr>
+          <p:cNvSpPr/>
+          <p:nvPr/>
+        </p:nvSpPr>
+        <p:spPr>
+          <a:xfrm>
+            <a:off x="4434360" y="4535055"/>
+            <a:ext cx="1313874" cy="539298"/>
+          </a:xfrm>
+          <a:prstGeom prst="ellipse">
+            <a:avLst/>
+          </a:prstGeom>
+          <a:solidFill>
+            <a:schemeClr val="tx2">
+              <a:lumMod val="40000"/>
+              <a:lumOff val="60000"/>
+            </a:schemeClr>
+          </a:solidFill>
+          <a:ln>
+            <a:solidFill>
+              <a:schemeClr val="tx2">
+                <a:lumMod val="40000"/>
+                <a:lumOff val="60000"/>
+              </a:schemeClr>
+            </a:solidFill>
+          </a:ln>
+          <a:effectLst>
+            <a:outerShdw blurRad="50800" dist="38100" dir="2700000" algn="tl" rotWithShape="0">
+              <a:prstClr val="black">
+                <a:alpha val="40000"/>
+              </a:prstClr>
+            </a:outerShdw>
+          </a:effectLst>
+        </p:spPr>
+        <p:style>
+          <a:lnRef idx="2">
+            <a:schemeClr val="accent1">
+              <a:shade val="50000"/>
+            </a:schemeClr>
+          </a:lnRef>
+          <a:fillRef idx="1">
+            <a:schemeClr val="accent1"/>
+          </a:fillRef>
+          <a:effectRef idx="0">
+            <a:schemeClr val="accent1"/>
+          </a:effectRef>
+          <a:fontRef idx="minor">
+            <a:schemeClr val="lt1"/>
+          </a:fontRef>
+        </p:style>
+        <p:txBody>
+          <a:bodyPr rtlCol="0" anchor="ctr"/>
+          <a:lstStyle/>
+          <a:p>
+            <a:pPr algn="ctr"/>
+            <a:r>
+              <a:rPr lang="de-DE" sz="1200" dirty="0"/>
+              <a:t>Pause</a:t>
+            </a:r>
+            <a:endParaRPr lang="de-DE" dirty="0"/>
+          </a:p>
+        </p:txBody>
+      </p:sp>
+      <p:sp>
+        <p:nvSpPr>
+          <p:cNvPr id="38" name="Oval 37">
+            <a:extLst>
+              <a:ext uri="{FF2B5EF4-FFF2-40B4-BE49-F238E27FC236}">
+                <a16:creationId xmlns:a16="http://schemas.microsoft.com/office/drawing/2014/main" id="{5959AB28-FFFF-5646-9FE6-D9CA82BB67EF}"/>
+              </a:ext>
+            </a:extLst>
+          </p:cNvPr>
+          <p:cNvSpPr/>
+          <p:nvPr/>
+        </p:nvSpPr>
+        <p:spPr>
+          <a:xfrm>
+            <a:off x="6090038" y="4544569"/>
+            <a:ext cx="1313874" cy="539298"/>
+          </a:xfrm>
+          <a:prstGeom prst="ellipse">
+            <a:avLst/>
+          </a:prstGeom>
+          <a:solidFill>
+            <a:schemeClr val="tx2">
+              <a:lumMod val="40000"/>
+              <a:lumOff val="60000"/>
+            </a:schemeClr>
+          </a:solidFill>
+          <a:ln>
+            <a:solidFill>
+              <a:schemeClr val="tx2">
+                <a:lumMod val="40000"/>
+                <a:lumOff val="60000"/>
+              </a:schemeClr>
+            </a:solidFill>
+          </a:ln>
+          <a:effectLst>
+            <a:outerShdw blurRad="50800" dist="38100" dir="2700000" algn="tl" rotWithShape="0">
+              <a:prstClr val="black">
+                <a:alpha val="40000"/>
+              </a:prstClr>
+            </a:outerShdw>
+          </a:effectLst>
+        </p:spPr>
+        <p:style>
+          <a:lnRef idx="2">
+            <a:schemeClr val="accent1">
+              <a:shade val="50000"/>
+            </a:schemeClr>
+          </a:lnRef>
+          <a:fillRef idx="1">
+            <a:schemeClr val="accent1"/>
+          </a:fillRef>
+          <a:effectRef idx="0">
+            <a:schemeClr val="accent1"/>
+          </a:effectRef>
+          <a:fontRef idx="minor">
+            <a:schemeClr val="lt1"/>
+          </a:fontRef>
+        </p:style>
+        <p:txBody>
+          <a:bodyPr rtlCol="0" anchor="ctr"/>
+          <a:lstStyle/>
+          <a:p>
+            <a:pPr algn="ctr"/>
+            <a:r>
+              <a:rPr lang="de-DE" sz="1200" dirty="0"/>
+              <a:t>Gehen</a:t>
+            </a:r>
+            <a:endParaRPr lang="de-DE" dirty="0"/>
+          </a:p>
+        </p:txBody>
+      </p:sp>
+      <p:sp>
+        <p:nvSpPr>
+          <p:cNvPr id="39" name="Oval 38">
+            <a:extLst>
+              <a:ext uri="{FF2B5EF4-FFF2-40B4-BE49-F238E27FC236}">
+                <a16:creationId xmlns:a16="http://schemas.microsoft.com/office/drawing/2014/main" id="{98E41AD1-7A3E-7F4B-9C3D-13882697E649}"/>
+              </a:ext>
+            </a:extLst>
+          </p:cNvPr>
+          <p:cNvSpPr/>
+          <p:nvPr/>
+        </p:nvSpPr>
+        <p:spPr>
+          <a:xfrm>
+            <a:off x="2778682" y="4546201"/>
+            <a:ext cx="1313874" cy="539298"/>
+          </a:xfrm>
+          <a:prstGeom prst="ellipse">
+            <a:avLst/>
+          </a:prstGeom>
+          <a:solidFill>
+            <a:schemeClr val="tx2">
+              <a:lumMod val="40000"/>
+              <a:lumOff val="60000"/>
+            </a:schemeClr>
+          </a:solidFill>
+          <a:ln>
+            <a:solidFill>
+              <a:schemeClr val="tx2">
+                <a:lumMod val="40000"/>
+                <a:lumOff val="60000"/>
+              </a:schemeClr>
+            </a:solidFill>
+          </a:ln>
+          <a:effectLst>
+            <a:outerShdw blurRad="50800" dist="38100" dir="2700000" algn="tl" rotWithShape="0">
+              <a:prstClr val="black">
+                <a:alpha val="40000"/>
+              </a:prstClr>
+            </a:outerShdw>
+          </a:effectLst>
+        </p:spPr>
+        <p:style>
+          <a:lnRef idx="2">
+            <a:schemeClr val="accent1">
+              <a:shade val="50000"/>
+            </a:schemeClr>
+          </a:lnRef>
+          <a:fillRef idx="1">
+            <a:schemeClr val="accent1"/>
+          </a:fillRef>
+          <a:effectRef idx="0">
+            <a:schemeClr val="accent1"/>
+          </a:effectRef>
+          <a:fontRef idx="minor">
+            <a:schemeClr val="lt1"/>
+          </a:fontRef>
+        </p:style>
+        <p:txBody>
+          <a:bodyPr rtlCol="0" anchor="ctr"/>
+          <a:lstStyle/>
+          <a:p>
+            <a:pPr algn="ctr"/>
+            <a:r>
+              <a:rPr lang="de-DE" sz="1200" dirty="0"/>
+              <a:t>Kommen</a:t>
+            </a:r>
+            <a:endParaRPr lang="de-DE" dirty="0"/>
+          </a:p>
+        </p:txBody>
+      </p:sp>
+      <p:sp>
+        <p:nvSpPr>
+          <p:cNvPr id="55" name="Oval 54">
+            <a:extLst>
+              <a:ext uri="{FF2B5EF4-FFF2-40B4-BE49-F238E27FC236}">
+                <a16:creationId xmlns:a16="http://schemas.microsoft.com/office/drawing/2014/main" id="{B5BD0245-D961-E94F-A80B-601A43634BF0}"/>
+              </a:ext>
+            </a:extLst>
+          </p:cNvPr>
+          <p:cNvSpPr/>
+          <p:nvPr/>
+        </p:nvSpPr>
+        <p:spPr>
+          <a:xfrm>
+            <a:off x="7341686" y="3292046"/>
+            <a:ext cx="1794744" cy="638695"/>
+          </a:xfrm>
+          <a:prstGeom prst="ellipse">
+            <a:avLst/>
+          </a:prstGeom>
+          <a:solidFill>
+            <a:schemeClr val="tx2">
+              <a:lumMod val="40000"/>
+              <a:lumOff val="60000"/>
+            </a:schemeClr>
+          </a:solidFill>
+          <a:ln>
+            <a:solidFill>
+              <a:schemeClr val="tx2">
+                <a:lumMod val="40000"/>
+                <a:lumOff val="60000"/>
+              </a:schemeClr>
+            </a:solidFill>
+          </a:ln>
+          <a:effectLst>
+            <a:outerShdw blurRad="50800" dist="38100" dir="2700000" algn="tl" rotWithShape="0">
+              <a:prstClr val="black">
+                <a:alpha val="40000"/>
+              </a:prstClr>
+            </a:outerShdw>
+          </a:effectLst>
+        </p:spPr>
+        <p:style>
+          <a:lnRef idx="2">
+            <a:schemeClr val="accent1">
+              <a:shade val="50000"/>
+            </a:schemeClr>
+          </a:lnRef>
+          <a:fillRef idx="1">
+            <a:schemeClr val="accent1"/>
+          </a:fillRef>
+          <a:effectRef idx="0">
+            <a:schemeClr val="accent1"/>
+          </a:effectRef>
+          <a:fontRef idx="minor">
+            <a:schemeClr val="lt1"/>
+          </a:fontRef>
+        </p:style>
+        <p:txBody>
+          <a:bodyPr rtlCol="0" anchor="ctr"/>
+          <a:lstStyle/>
+          <a:p>
+            <a:pPr algn="ctr"/>
+            <a:r>
+              <a:rPr lang="de-DE" sz="1200" dirty="0"/>
+              <a:t>Einsicht der Mitarbeiterzeiten</a:t>
+            </a:r>
+            <a:endParaRPr lang="de-DE" dirty="0"/>
+          </a:p>
+        </p:txBody>
+      </p:sp>
+      <p:cxnSp>
+        <p:nvCxnSpPr>
+          <p:cNvPr id="58" name="Gerade Verbindung 57">
+            <a:extLst>
+              <a:ext uri="{FF2B5EF4-FFF2-40B4-BE49-F238E27FC236}">
+                <a16:creationId xmlns:a16="http://schemas.microsoft.com/office/drawing/2014/main" id="{95A5B7CC-4406-FE43-9E67-14DC1516629F}"/>
+              </a:ext>
+            </a:extLst>
+          </p:cNvPr>
+          <p:cNvCxnSpPr>
+            <a:cxnSpLocks/>
+            <a:stCxn id="55" idx="6"/>
+          </p:cNvCxnSpPr>
+          <p:nvPr/>
+        </p:nvCxnSpPr>
+        <p:spPr>
+          <a:xfrm flipV="1">
+            <a:off x="9136430" y="3535815"/>
+            <a:ext cx="1517821" cy="75579"/>
+          </a:xfrm>
+          <a:prstGeom prst="line">
+            <a:avLst/>
+          </a:prstGeom>
+          <a:ln w="19050">
+            <a:solidFill>
+              <a:schemeClr val="accent1"/>
+            </a:solidFill>
+          </a:ln>
+        </p:spPr>
+        <p:style>
+          <a:lnRef idx="1">
+            <a:schemeClr val="accent1"/>
+          </a:lnRef>
+          <a:fillRef idx="0">
+            <a:schemeClr val="accent1"/>
+          </a:fillRef>
+          <a:effectRef idx="0">
+            <a:schemeClr val="accent1"/>
+          </a:effectRef>
+          <a:fontRef idx="minor">
+            <a:schemeClr val="tx1"/>
+          </a:fontRef>
+        </p:style>
+      </p:cxnSp>
+      <p:sp>
+        <p:nvSpPr>
+          <p:cNvPr id="61" name="Oval 60">
+            <a:extLst>
+              <a:ext uri="{FF2B5EF4-FFF2-40B4-BE49-F238E27FC236}">
+                <a16:creationId xmlns:a16="http://schemas.microsoft.com/office/drawing/2014/main" id="{9993B1FE-71E3-FF4C-A4E0-4CE6ED26DA6B}"/>
+              </a:ext>
+            </a:extLst>
+          </p:cNvPr>
+          <p:cNvSpPr/>
+          <p:nvPr/>
+        </p:nvSpPr>
+        <p:spPr>
+          <a:xfrm>
+            <a:off x="7341686" y="4030658"/>
+            <a:ext cx="1794744" cy="638695"/>
+          </a:xfrm>
+          <a:prstGeom prst="ellipse">
+            <a:avLst/>
+          </a:prstGeom>
+          <a:solidFill>
+            <a:schemeClr val="tx2">
+              <a:lumMod val="40000"/>
+              <a:lumOff val="60000"/>
+            </a:schemeClr>
+          </a:solidFill>
+          <a:ln>
+            <a:solidFill>
+              <a:schemeClr val="tx2">
+                <a:lumMod val="40000"/>
+                <a:lumOff val="60000"/>
+              </a:schemeClr>
+            </a:solidFill>
+          </a:ln>
+          <a:effectLst>
+            <a:outerShdw blurRad="50800" dist="38100" dir="2700000" algn="tl" rotWithShape="0">
+              <a:prstClr val="black">
+                <a:alpha val="40000"/>
+              </a:prstClr>
+            </a:outerShdw>
+          </a:effectLst>
+        </p:spPr>
+        <p:style>
+          <a:lnRef idx="2">
+            <a:schemeClr val="accent1">
+              <a:shade val="50000"/>
+            </a:schemeClr>
+          </a:lnRef>
+          <a:fillRef idx="1">
+            <a:schemeClr val="accent1"/>
+          </a:fillRef>
+          <a:effectRef idx="0">
+            <a:schemeClr val="accent1"/>
+          </a:effectRef>
+          <a:fontRef idx="minor">
+            <a:schemeClr val="lt1"/>
+          </a:fontRef>
+        </p:style>
+        <p:txBody>
+          <a:bodyPr rtlCol="0" anchor="ctr"/>
+          <a:lstStyle/>
+          <a:p>
+            <a:pPr algn="ctr"/>
+            <a:r>
+              <a:rPr lang="de-DE" sz="1200" dirty="0"/>
+              <a:t>Export der Arbeitszeit (Excel)</a:t>
+            </a:r>
+            <a:endParaRPr lang="de-DE" dirty="0"/>
+          </a:p>
+        </p:txBody>
+      </p:sp>
+      <p:cxnSp>
+        <p:nvCxnSpPr>
+          <p:cNvPr id="62" name="Gerade Verbindung 61">
+            <a:extLst>
+              <a:ext uri="{FF2B5EF4-FFF2-40B4-BE49-F238E27FC236}">
+                <a16:creationId xmlns:a16="http://schemas.microsoft.com/office/drawing/2014/main" id="{08D0F8C7-D9BF-2F4C-8654-B9721ADC0EE9}"/>
+              </a:ext>
+            </a:extLst>
+          </p:cNvPr>
+          <p:cNvCxnSpPr>
+            <a:cxnSpLocks/>
+          </p:cNvCxnSpPr>
+          <p:nvPr/>
+        </p:nvCxnSpPr>
+        <p:spPr>
+          <a:xfrm flipV="1">
+            <a:off x="9136430" y="3516228"/>
+            <a:ext cx="1531570" cy="833778"/>
+          </a:xfrm>
+          <a:prstGeom prst="line">
+            <a:avLst/>
+          </a:prstGeom>
+          <a:ln w="19050">
+            <a:solidFill>
+              <a:schemeClr val="accent1"/>
+            </a:solidFill>
+          </a:ln>
+        </p:spPr>
+        <p:style>
+          <a:lnRef idx="1">
+            <a:schemeClr val="accent1"/>
+          </a:lnRef>
+          <a:fillRef idx="0">
+            <a:schemeClr val="accent1"/>
+          </a:fillRef>
+          <a:effectRef idx="0">
+            <a:schemeClr val="accent1"/>
+          </a:effectRef>
+          <a:fontRef idx="minor">
+            <a:schemeClr val="tx1"/>
+          </a:fontRef>
+        </p:style>
+      </p:cxnSp>
+    </p:spTree>
+    <p:extLst>
+      <p:ext uri="{BB962C8B-B14F-4D97-AF65-F5344CB8AC3E}">
+        <p14:creationId xmlns:p14="http://schemas.microsoft.com/office/powerpoint/2010/main" val="69237320"/>
+      </p:ext>
+    </p:extLst>
+  </p:cSld>
+  <p:clrMapOvr>
+    <a:masterClrMapping/>
+  </p:clrMapOvr>
+</p:sld>
+</file>
+
+<file path=ppt/slides/slide5.xml><?xml version="1.0" encoding="utf-8"?>
+<p:sld xmlns:a="http://schemas.openxmlformats.org/drawingml/2006/main" xmlns:r="http://schemas.openxmlformats.org/officeDocument/2006/relationships" xmlns:p="http://schemas.openxmlformats.org/presentationml/2006/main">
+  <p:cSld>
+    <p:bg>
+      <p:bgPr>
+        <a:solidFill>
+          <a:schemeClr val="tx1">
+            <a:lumMod val="75000"/>
+            <a:lumOff val="25000"/>
+          </a:schemeClr>
+        </a:solidFill>
+        <a:effectLst/>
+      </p:bgPr>
+    </p:bg>
+    <p:spTree>
+      <p:nvGrpSpPr>
+        <p:cNvPr id="1" name=""/>
+        <p:cNvGrpSpPr/>
+        <p:nvPr/>
+      </p:nvGrpSpPr>
+      <p:grpSpPr>
+        <a:xfrm>
+          <a:off x="0" y="0"/>
+          <a:ext cx="0" cy="0"/>
+          <a:chOff x="0" y="0"/>
+          <a:chExt cx="0" cy="0"/>
+        </a:xfrm>
+      </p:grpSpPr>
+      <p:sp>
+        <p:nvSpPr>
+          <p:cNvPr id="2" name="Titel 1">
+            <a:extLst>
+              <a:ext uri="{FF2B5EF4-FFF2-40B4-BE49-F238E27FC236}">
+                <a16:creationId xmlns:a16="http://schemas.microsoft.com/office/drawing/2014/main" id="{E75ECE54-6955-BD44-A02F-7460ABF14506}"/>
+              </a:ext>
+            </a:extLst>
+          </p:cNvPr>
+          <p:cNvSpPr>
+            <a:spLocks noGrp="1"/>
+          </p:cNvSpPr>
+          <p:nvPr>
+            <p:ph type="ctrTitle"/>
+          </p:nvPr>
+        </p:nvSpPr>
+        <p:spPr>
+          <a:xfrm>
+            <a:off x="1524000" y="248452"/>
+            <a:ext cx="9144000" cy="781851"/>
+          </a:xfrm>
+        </p:spPr>
+        <p:txBody>
+          <a:bodyPr>
+            <a:normAutofit/>
+          </a:bodyPr>
+          <a:lstStyle/>
+          <a:p>
+            <a:r>
+              <a:rPr lang="de-DE" sz="4800" dirty="0">
+                <a:solidFill>
+                  <a:schemeClr val="bg1">
+                    <a:lumMod val="85000"/>
+                  </a:schemeClr>
+                </a:solidFill>
+              </a:rPr>
+              <a:t>Mockup</a:t>
+            </a:r>
+          </a:p>
+        </p:txBody>
+      </p:sp>
+      <p:sp>
+        <p:nvSpPr>
+          <p:cNvPr id="3" name="Untertitel 2">
+            <a:extLst>
+              <a:ext uri="{FF2B5EF4-FFF2-40B4-BE49-F238E27FC236}">
+                <a16:creationId xmlns:a16="http://schemas.microsoft.com/office/drawing/2014/main" id="{D64EC976-BB9A-1947-B182-70E081492AFB}"/>
+              </a:ext>
+            </a:extLst>
+          </p:cNvPr>
+          <p:cNvSpPr>
+            <a:spLocks noGrp="1"/>
+          </p:cNvSpPr>
+          <p:nvPr>
+            <p:ph type="subTitle" idx="1"/>
+          </p:nvPr>
+        </p:nvSpPr>
+        <p:spPr>
+          <a:xfrm>
+            <a:off x="1524000" y="1030303"/>
+            <a:ext cx="9144000" cy="394927"/>
+          </a:xfrm>
+        </p:spPr>
+        <p:txBody>
+          <a:bodyPr>
+            <a:normAutofit lnSpcReduction="10000"/>
+          </a:bodyPr>
+          <a:lstStyle/>
+          <a:p>
+            <a:r>
+              <a:rPr lang="de-DE" dirty="0">
+                <a:solidFill>
+                  <a:schemeClr val="bg1">
+                    <a:lumMod val="85000"/>
+                  </a:schemeClr>
+                </a:solidFill>
+              </a:rPr>
+              <a:t>Time4You</a:t>
+            </a:r>
+          </a:p>
+        </p:txBody>
+      </p:sp>
+      <p:pic>
+        <p:nvPicPr>
+          <p:cNvPr id="7" name="Grafik 6" descr="Ein Bild, das Text, schwarz enthält.&#10;&#10;Automatisch generierte Beschreibung">
+            <a:extLst>
+              <a:ext uri="{FF2B5EF4-FFF2-40B4-BE49-F238E27FC236}">
+                <a16:creationId xmlns:a16="http://schemas.microsoft.com/office/drawing/2014/main" id="{F8BFF4A4-651B-304B-80EF-6EE8F47BE9AB}"/>
+              </a:ext>
+            </a:extLst>
+          </p:cNvPr>
+          <p:cNvPicPr>
+            <a:picLocks noChangeAspect="1"/>
+          </p:cNvPicPr>
+          <p:nvPr/>
+        </p:nvPicPr>
+        <p:blipFill>
+          <a:blip r:embed="rId2"/>
+          <a:stretch>
+            <a:fillRect/>
+          </a:stretch>
+        </p:blipFill>
+        <p:spPr>
+          <a:xfrm>
+            <a:off x="1846261" y="1425230"/>
+            <a:ext cx="8499476" cy="4975823"/>
+          </a:xfrm>
+          <a:prstGeom prst="rect">
+            <a:avLst/>
+          </a:prstGeom>
+        </p:spPr>
+      </p:pic>
+      <p:pic>
+        <p:nvPicPr>
+          <p:cNvPr id="17" name="Grafik 16">
+            <a:extLst>
+              <a:ext uri="{FF2B5EF4-FFF2-40B4-BE49-F238E27FC236}">
+                <a16:creationId xmlns:a16="http://schemas.microsoft.com/office/drawing/2014/main" id="{C1840DB3-288E-EC41-8327-7991A677ED44}"/>
+              </a:ext>
+            </a:extLst>
+          </p:cNvPr>
+          <p:cNvPicPr>
+            <a:picLocks noChangeAspect="1"/>
+          </p:cNvPicPr>
+          <p:nvPr/>
+        </p:nvPicPr>
+        <p:blipFill>
+          <a:blip r:embed="rId3"/>
+          <a:stretch>
+            <a:fillRect/>
+          </a:stretch>
+        </p:blipFill>
+        <p:spPr>
+          <a:xfrm>
+            <a:off x="1007111" y="1615074"/>
+            <a:ext cx="10177777" cy="4475674"/>
+          </a:xfrm>
+          <a:prstGeom prst="rect">
+            <a:avLst/>
+          </a:prstGeom>
+        </p:spPr>
+      </p:pic>
+      <p:pic>
+        <p:nvPicPr>
+          <p:cNvPr id="13" name="Grafik 12">
+            <a:extLst>
+              <a:ext uri="{FF2B5EF4-FFF2-40B4-BE49-F238E27FC236}">
+                <a16:creationId xmlns:a16="http://schemas.microsoft.com/office/drawing/2014/main" id="{0928FF32-375C-2148-A189-9894F02DE0B7}"/>
+              </a:ext>
+            </a:extLst>
+          </p:cNvPr>
+          <p:cNvPicPr>
+            <a:picLocks noChangeAspect="1"/>
+          </p:cNvPicPr>
+          <p:nvPr/>
+        </p:nvPicPr>
+        <p:blipFill>
+          <a:blip r:embed="rId4"/>
+          <a:stretch>
+            <a:fillRect/>
+          </a:stretch>
+        </p:blipFill>
+        <p:spPr>
+          <a:xfrm>
+            <a:off x="1007111" y="1812154"/>
+            <a:ext cx="10177778" cy="4193972"/>
+          </a:xfrm>
+          <a:prstGeom prst="rect">
+            <a:avLst/>
+          </a:prstGeom>
+        </p:spPr>
+      </p:pic>
+    </p:spTree>
+    <p:extLst>
+      <p:ext uri="{BB962C8B-B14F-4D97-AF65-F5344CB8AC3E}">
+        <p14:creationId xmlns:p14="http://schemas.microsoft.com/office/powerpoint/2010/main" val="2042075888"/>
+      </p:ext>
+    </p:extLst>
+  </p:cSld>
+  <p:clrMapOvr>
+    <a:masterClrMapping/>
+  </p:clrMapOvr>
+  <p:timing>
+    <p:tnLst>
+      <p:par>
+        <p:cTn id="1" dur="indefinite" restart="never" nodeType="tmRoot">
+          <p:childTnLst>
+            <p:seq concurrent="1" nextAc="seek">
+              <p:cTn id="2" dur="indefinite" nodeType="mainSeq">
+                <p:childTnLst>
+                  <p:par>
+                    <p:cTn id="3" fill="hold">
+                      <p:stCondLst>
+                        <p:cond delay="indefinite"/>
+                      </p:stCondLst>
+                      <p:childTnLst>
+                        <p:par>
+                          <p:cTn id="4" fill="hold">
+                            <p:stCondLst>
+                              <p:cond delay="0"/>
+                            </p:stCondLst>
+                            <p:childTnLst>
+                              <p:par>
+                                <p:cTn id="5" presetID="1" presetClass="entr" presetSubtype="0" fill="hold" nodeType="clickEffect">
+                                  <p:stCondLst>
+                                    <p:cond delay="0"/>
+                                  </p:stCondLst>
+                                  <p:childTnLst>
+                                    <p:set>
+                                      <p:cBhvr>
+                                        <p:cTn id="6" dur="1" fill="hold">
+                                          <p:stCondLst>
+                                            <p:cond delay="0"/>
+                                          </p:stCondLst>
+                                        </p:cTn>
+                                        <p:tgtEl>
+                                          <p:spTgt spid="13"/>
+                                        </p:tgtEl>
+                                        <p:attrNameLst>
+                                          <p:attrName>style.visibility</p:attrName>
+                                        </p:attrNameLst>
+                                      </p:cBhvr>
+                                      <p:to>
+                                        <p:strVal val="visible"/>
+                                      </p:to>
+                                    </p:set>
+                                  </p:childTnLst>
+                                </p:cTn>
+                              </p:par>
+                            </p:childTnLst>
+                          </p:cTn>
+                        </p:par>
+                      </p:childTnLst>
+                    </p:cTn>
+                  </p:par>
+                  <p:par>
+                    <p:cTn id="7" fill="hold">
+                      <p:stCondLst>
+                        <p:cond delay="indefinite"/>
+                      </p:stCondLst>
+                      <p:childTnLst>
+                        <p:par>
+                          <p:cTn id="8" fill="hold">
+                            <p:stCondLst>
+                              <p:cond delay="0"/>
+                            </p:stCondLst>
+                            <p:childTnLst>
+                              <p:par>
+                                <p:cTn id="9" presetID="1" presetClass="exit" presetSubtype="0" fill="hold" nodeType="clickEffect">
+                                  <p:stCondLst>
+                                    <p:cond delay="0"/>
+                                  </p:stCondLst>
+                                  <p:childTnLst>
+                                    <p:set>
+                                      <p:cBhvr>
+                                        <p:cTn id="10" dur="1" fill="hold">
+                                          <p:stCondLst>
+                                            <p:cond delay="0"/>
+                                          </p:stCondLst>
+                                        </p:cTn>
+                                        <p:tgtEl>
+                                          <p:spTgt spid="13"/>
+                                        </p:tgtEl>
+                                        <p:attrNameLst>
+                                          <p:attrName>style.visibility</p:attrName>
+                                        </p:attrNameLst>
+                                      </p:cBhvr>
+                                      <p:to>
+                                        <p:strVal val="hidden"/>
+                                      </p:to>
+                                    </p:set>
+                                  </p:childTnLst>
+                                </p:cTn>
+                              </p:par>
+                            </p:childTnLst>
+                          </p:cTn>
+                        </p:par>
+                        <p:par>
+                          <p:cTn id="11" fill="hold">
+                            <p:stCondLst>
+                              <p:cond delay="0"/>
+                            </p:stCondLst>
+                            <p:childTnLst>
+                              <p:par>
+                                <p:cTn id="12" presetID="1" presetClass="entr" presetSubtype="0" fill="hold" nodeType="afterEffect">
+                                  <p:stCondLst>
+                                    <p:cond delay="0"/>
+                                  </p:stCondLst>
+                                  <p:childTnLst>
+                                    <p:set>
+                                      <p:cBhvr>
+                                        <p:cTn id="13" dur="1" fill="hold">
+                                          <p:stCondLst>
+                                            <p:cond delay="0"/>
+                                          </p:stCondLst>
+                                        </p:cTn>
+                                        <p:tgtEl>
+                                          <p:spTgt spid="17"/>
+                                        </p:tgtEl>
+                                        <p:attrNameLst>
+                                          <p:attrName>style.visibility</p:attrName>
+                                        </p:attrNameLst>
+                                      </p:cBhvr>
+                                      <p:to>
+                                        <p:strVal val="visible"/>
+                                      </p:to>
+                                    </p:set>
+                                  </p:childTnLst>
+                                </p:cTn>
+                              </p:par>
+                            </p:childTnLst>
+                          </p:cTn>
+                        </p:par>
+                      </p:childTnLst>
+                    </p:cTn>
+                  </p:par>
+                  <p:par>
+                    <p:cTn id="14" fill="hold">
+                      <p:stCondLst>
+                        <p:cond delay="indefinite"/>
+                      </p:stCondLst>
+                      <p:childTnLst>
+                        <p:par>
+                          <p:cTn id="15" fill="hold">
+                            <p:stCondLst>
+                              <p:cond delay="0"/>
+                            </p:stCondLst>
+                            <p:childTnLst>
+                              <p:par>
+                                <p:cTn id="16" presetID="1" presetClass="exit" presetSubtype="0" fill="hold" nodeType="clickEffect">
+                                  <p:stCondLst>
+                                    <p:cond delay="0"/>
+                                  </p:stCondLst>
+                                  <p:childTnLst>
+                                    <p:set>
+                                      <p:cBhvr>
+                                        <p:cTn id="17" dur="1" fill="hold">
+                                          <p:stCondLst>
+                                            <p:cond delay="0"/>
+                                          </p:stCondLst>
+                                        </p:cTn>
+                                        <p:tgtEl>
+                                          <p:spTgt spid="17"/>
+                                        </p:tgtEl>
+                                        <p:attrNameLst>
+                                          <p:attrName>style.visibility</p:attrName>
+                                        </p:attrNameLst>
+                                      </p:cBhvr>
+                                      <p:to>
+                                        <p:strVal val="hidden"/>
+                                      </p:to>
+                                    </p:set>
+                                  </p:childTnLst>
+                                </p:cTn>
+                              </p:par>
+                            </p:childTnLst>
+                          </p:cTn>
+                        </p:par>
+                        <p:par>
+                          <p:cTn id="18" fill="hold">
+                            <p:stCondLst>
+                              <p:cond delay="0"/>
+                            </p:stCondLst>
+                            <p:childTnLst>
+                              <p:par>
+                                <p:cTn id="19" presetID="1" presetClass="exit" presetSubtype="0" fill="hold" nodeType="afterEffect">
+                                  <p:stCondLst>
+                                    <p:cond delay="0"/>
+                                  </p:stCondLst>
+                                  <p:childTnLst>
+                                    <p:set>
+                                      <p:cBhvr>
+                                        <p:cTn id="20" dur="1" fill="hold">
+                                          <p:stCondLst>
+                                            <p:cond delay="0"/>
+                                          </p:stCondLst>
+                                        </p:cTn>
+                                        <p:tgtEl>
+                                          <p:spTgt spid="7"/>
+                                        </p:tgtEl>
+                                        <p:attrNameLst>
+                                          <p:attrName>style.visibility</p:attrName>
+                                        </p:attrNameLst>
+                                      </p:cBhvr>
+                                      <p:to>
+                                        <p:strVal val="hidden"/>
+                                      </p:to>
+                                    </p:set>
+                                  </p:childTnLst>
+                                </p:cTn>
+                              </p:par>
+                            </p:childTnLst>
+                          </p:cTn>
+                        </p:par>
+                      </p:childTnLst>
+                    </p:cTn>
+                  </p:par>
+                </p:childTnLst>
+              </p:cTn>
+              <p:prevCondLst>
+                <p:cond evt="onPrev" delay="0">
+                  <p:tgtEl>
+                    <p:sldTgt/>
+                  </p:tgtEl>
+                </p:cond>
+              </p:prevCondLst>
+              <p:nextCondLst>
+                <p:cond evt="onNext" delay="0">
+                  <p:tgtEl>
+                    <p:sldTgt/>
+                  </p:tgtEl>
+                </p:cond>
+              </p:nextCondLst>
+            </p:seq>
+          </p:childTnLst>
+        </p:cTn>
+      </p:par>
+    </p:tnLst>
+  </p:timing>
+</p:sld>
+</file>
+
+<file path=ppt/slides/slide6.xml><?xml version="1.0" encoding="utf-8"?>
+<p:sld xmlns:a="http://schemas.openxmlformats.org/drawingml/2006/main" xmlns:r="http://schemas.openxmlformats.org/officeDocument/2006/relationships" xmlns:p="http://schemas.openxmlformats.org/presentationml/2006/main">
+  <p:cSld>
+    <p:bg>
+      <p:bgPr>
+        <a:solidFill>
+          <a:schemeClr val="bg1">
+            <a:tint val="95000"/>
+            <a:satMod val="170000"/>
+          </a:schemeClr>
+        </a:solidFill>
+        <a:effectLst/>
+      </p:bgPr>
+    </p:bg>
+    <p:spTree>
+      <p:nvGrpSpPr>
+        <p:cNvPr id="1" name=""/>
+        <p:cNvGrpSpPr/>
+        <p:nvPr/>
+      </p:nvGrpSpPr>
+      <p:grpSpPr>
+        <a:xfrm>
+          <a:off x="0" y="0"/>
+          <a:ext cx="0" cy="0"/>
+          <a:chOff x="0" y="0"/>
+          <a:chExt cx="0" cy="0"/>
+        </a:xfrm>
+      </p:grpSpPr>
+      <p:sp>
+        <p:nvSpPr>
+          <p:cNvPr id="14" name="Freeform: Shape 7">
+            <a:extLst>
+              <a:ext uri="{FF2B5EF4-FFF2-40B4-BE49-F238E27FC236}">
+                <a16:creationId xmlns:a16="http://schemas.microsoft.com/office/drawing/2014/main" id="{48A740BC-A0AA-45E0-B899-2AE9C6FE11CA}"/>
+              </a:ext>
+              <a:ext uri="{C183D7F6-B498-43B3-948B-1728B52AA6E4}">
+                <adec:decorative xmlns:adec="http://schemas.microsoft.com/office/drawing/2017/decorative" val="1"/>
+              </a:ext>
+            </a:extLst>
+          </p:cNvPr>
+          <p:cNvSpPr>
+            <a:spLocks noGrp="1" noRot="1" noChangeAspect="1" noMove="1" noResize="1" noEditPoints="1" noAdjustHandles="1" noChangeArrowheads="1" noChangeShapeType="1" noTextEdit="1"/>
+          </p:cNvSpPr>
+          <p:nvPr>
+            <p:extLst>
+              <p:ext uri="{386F3935-93C4-4BCD-93E2-E3B085C9AB24}">
+                <p16:designElem xmlns:p16="http://schemas.microsoft.com/office/powerpoint/2015/main" val="1"/>
+              </p:ext>
+            </p:extLst>
+          </p:nvPr>
+        </p:nvSpPr>
+        <p:spPr>
+          <a:xfrm>
+            <a:off x="5913121" y="-2"/>
+            <a:ext cx="6278879" cy="6858002"/>
+          </a:xfrm>
+          <a:custGeom>
+            <a:avLst/>
+            <a:gdLst>
+              <a:gd name="connsiteX0" fmla="*/ 45572 w 6278879"/>
+              <a:gd name="connsiteY0" fmla="*/ 0 h 6858002"/>
+              <a:gd name="connsiteX1" fmla="*/ 6278879 w 6278879"/>
+              <a:gd name="connsiteY1" fmla="*/ 0 h 6858002"/>
+              <a:gd name="connsiteX2" fmla="*/ 6278879 w 6278879"/>
+              <a:gd name="connsiteY2" fmla="*/ 6858002 h 6858002"/>
+              <a:gd name="connsiteX3" fmla="*/ 3292308 w 6278879"/>
+              <a:gd name="connsiteY3" fmla="*/ 6858002 h 6858002"/>
+              <a:gd name="connsiteX4" fmla="*/ 3181526 w 6278879"/>
+              <a:gd name="connsiteY4" fmla="*/ 6786982 h 6858002"/>
+              <a:gd name="connsiteX5" fmla="*/ 0 w 6278879"/>
+              <a:gd name="connsiteY5" fmla="*/ 803254 h 6858002"/>
+              <a:gd name="connsiteX6" fmla="*/ 37255 w 6278879"/>
+              <a:gd name="connsiteY6" fmla="*/ 65447 h 6858002"/>
+            </a:gdLst>
+            <a:ahLst/>
+            <a:cxnLst>
+              <a:cxn ang="0">
+                <a:pos x="connsiteX0" y="connsiteY0"/>
+              </a:cxn>
+              <a:cxn ang="0">
+                <a:pos x="connsiteX1" y="connsiteY1"/>
+              </a:cxn>
+              <a:cxn ang="0">
+                <a:pos x="connsiteX2" y="connsiteY2"/>
+              </a:cxn>
+              <a:cxn ang="0">
+                <a:pos x="connsiteX3" y="connsiteY3"/>
+              </a:cxn>
+              <a:cxn ang="0">
+                <a:pos x="connsiteX4" y="connsiteY4"/>
+              </a:cxn>
+              <a:cxn ang="0">
+                <a:pos x="connsiteX5" y="connsiteY5"/>
+              </a:cxn>
+              <a:cxn ang="0">
+                <a:pos x="connsiteX6" y="connsiteY6"/>
+              </a:cxn>
+            </a:cxnLst>
+            <a:rect l="l" t="t" r="r" b="b"/>
+            <a:pathLst>
+              <a:path w="6278879" h="6858002">
+                <a:moveTo>
+                  <a:pt x="45572" y="0"/>
+                </a:moveTo>
+                <a:lnTo>
+                  <a:pt x="6278879" y="0"/>
+                </a:lnTo>
+                <a:lnTo>
+                  <a:pt x="6278879" y="6858002"/>
+                </a:lnTo>
+                <a:lnTo>
+                  <a:pt x="3292308" y="6858002"/>
+                </a:lnTo>
+                <a:lnTo>
+                  <a:pt x="3181526" y="6786982"/>
+                </a:lnTo>
+                <a:cubicBezTo>
+                  <a:pt x="1262021" y="5490191"/>
+                  <a:pt x="0" y="3294103"/>
+                  <a:pt x="0" y="803254"/>
+                </a:cubicBezTo>
+                <a:cubicBezTo>
+                  <a:pt x="0" y="554169"/>
+                  <a:pt x="12620" y="308032"/>
+                  <a:pt x="37255" y="65447"/>
+                </a:cubicBezTo>
+                <a:close/>
+              </a:path>
+            </a:pathLst>
+          </a:custGeom>
+          <a:solidFill>
+            <a:schemeClr val="bg1">
+              <a:lumMod val="85000"/>
+              <a:lumOff val="15000"/>
+              <a:alpha val="70000"/>
+            </a:schemeClr>
+          </a:solidFill>
+          <a:ln>
+            <a:noFill/>
+          </a:ln>
+        </p:spPr>
+        <p:style>
+          <a:lnRef idx="2">
+            <a:schemeClr val="accent1">
+              <a:shade val="50000"/>
+            </a:schemeClr>
+          </a:lnRef>
+          <a:fillRef idx="1">
+            <a:schemeClr val="accent1"/>
+          </a:fillRef>
+          <a:effectRef idx="0">
+            <a:schemeClr val="accent1"/>
+          </a:effectRef>
+          <a:fontRef idx="minor">
+            <a:schemeClr val="lt1"/>
+          </a:fontRef>
+        </p:style>
+        <p:txBody>
+          <a:bodyPr rtlCol="0" anchor="ctr"/>
+          <a:lstStyle/>
+          <a:p>
+            <a:pPr marL="0" marR="0" lvl="0" indent="0" algn="ctr" defTabSz="914400" rtl="0" eaLnBrk="1" fontAlgn="auto" latinLnBrk="0" hangingPunct="1">
+              <a:lnSpc>
+                <a:spcPct val="100000"/>
+              </a:lnSpc>
+              <a:spcBef>
+                <a:spcPts val="0"/>
+              </a:spcBef>
+              <a:spcAft>
+                <a:spcPts val="0"/>
+              </a:spcAft>
+              <a:buClrTx/>
+              <a:buSzTx/>
+              <a:buFontTx/>
+              <a:buNone/>
+              <a:tabLst/>
+              <a:defRPr/>
+            </a:pPr>
+            <a:endParaRPr kumimoji="0" lang="en-US" sz="1800" b="0" i="0" u="none" strike="noStrike" kern="1200" cap="none" spc="0" normalizeH="0" baseline="0" noProof="0">
+              <a:ln>
+                <a:noFill/>
+              </a:ln>
+              <a:solidFill>
+                <a:prstClr val="white"/>
+              </a:solidFill>
+              <a:effectLst/>
+              <a:uLnTx/>
+              <a:uFillTx/>
+              <a:latin typeface="Calibri" panose="020F0502020204030204"/>
+              <a:ea typeface="+mn-ea"/>
+              <a:cs typeface="+mn-cs"/>
+            </a:endParaRPr>
+          </a:p>
+        </p:txBody>
+      </p:sp>
+      <p:sp>
+        <p:nvSpPr>
+          <p:cNvPr id="2" name="Titel 1">
+            <a:extLst>
+              <a:ext uri="{FF2B5EF4-FFF2-40B4-BE49-F238E27FC236}">
+                <a16:creationId xmlns:a16="http://schemas.microsoft.com/office/drawing/2014/main" id="{66F5E0E2-AC7C-9644-B830-683A73A950B1}"/>
+              </a:ext>
+            </a:extLst>
+          </p:cNvPr>
+          <p:cNvSpPr>
+            <a:spLocks noGrp="1"/>
+          </p:cNvSpPr>
+          <p:nvPr>
+            <p:ph type="title"/>
+          </p:nvPr>
+        </p:nvSpPr>
+        <p:spPr>
+          <a:xfrm>
+            <a:off x="655320" y="365125"/>
+            <a:ext cx="9013052" cy="1065118"/>
+          </a:xfrm>
+        </p:spPr>
+        <p:txBody>
+          <a:bodyPr anchor="b">
+            <a:normAutofit/>
+          </a:bodyPr>
+          <a:lstStyle/>
+          <a:p>
+            <a:r>
+              <a:rPr lang="de-DE" sz="4000" dirty="0"/>
+              <a:t>Prototyp V 1.0</a:t>
+            </a:r>
+          </a:p>
+        </p:txBody>
+      </p:sp>
+      <p:cxnSp>
+        <p:nvCxnSpPr>
+          <p:cNvPr id="15" name="Straight Arrow Connector 9">
+            <a:extLst>
+              <a:ext uri="{FF2B5EF4-FFF2-40B4-BE49-F238E27FC236}">
+                <a16:creationId xmlns:a16="http://schemas.microsoft.com/office/drawing/2014/main" id="{B874EF51-C858-4BB9-97C3-D17755787127}"/>
+              </a:ext>
+              <a:ext uri="{C183D7F6-B498-43B3-948B-1728B52AA6E4}">
+                <adec:decorative xmlns:adec="http://schemas.microsoft.com/office/drawing/2017/decorative" val="1"/>
+              </a:ext>
+            </a:extLst>
+          </p:cNvPr>
+          <p:cNvCxnSpPr>
+            <a:cxnSpLocks noGrp="1" noRot="1" noChangeAspect="1" noMove="1" noResize="1" noEditPoints="1" noAdjustHandles="1" noChangeArrowheads="1" noChangeShapeType="1"/>
+          </p:cNvCxnSpPr>
+          <p:nvPr>
+            <p:extLst>
+              <p:ext uri="{386F3935-93C4-4BCD-93E2-E3B085C9AB24}">
+                <p16:designElem xmlns:p16="http://schemas.microsoft.com/office/powerpoint/2015/main" val="1"/>
+              </p:ext>
+            </p:extLst>
+          </p:nvPr>
+        </p:nvCxnSpPr>
+        <p:spPr>
+          <a:xfrm>
+            <a:off x="763661" y="2316480"/>
+            <a:ext cx="8229600" cy="0"/>
+          </a:xfrm>
+          <a:prstGeom prst="straightConnector1">
+            <a:avLst/>
+          </a:prstGeom>
+          <a:ln w="19050" cap="sq">
+            <a:solidFill>
+              <a:schemeClr val="tx1"/>
+            </a:solidFill>
+            <a:tailEnd type="none"/>
+          </a:ln>
+        </p:spPr>
+        <p:style>
+          <a:lnRef idx="1">
+            <a:schemeClr val="accent1"/>
+          </a:lnRef>
+          <a:fillRef idx="0">
+            <a:schemeClr val="accent1"/>
+          </a:fillRef>
+          <a:effectRef idx="0">
+            <a:schemeClr val="accent1"/>
+          </a:effectRef>
+          <a:fontRef idx="minor">
+            <a:schemeClr val="tx1"/>
+          </a:fontRef>
+        </p:style>
+      </p:cxnSp>
+      <p:pic>
+        <p:nvPicPr>
+          <p:cNvPr id="5" name="Grafik 4" descr="Ein Bild, das Screenshot, Monitor, schwarz, Bildschirm enthält.&#10;&#10;Automatisch generierte Beschreibung">
+            <a:hlinkClick r:id="rId2"/>
+            <a:extLst>
+              <a:ext uri="{FF2B5EF4-FFF2-40B4-BE49-F238E27FC236}">
+                <a16:creationId xmlns:a16="http://schemas.microsoft.com/office/drawing/2014/main" id="{EA4A614B-9318-9049-A581-AFA2BD3D22F0}"/>
+              </a:ext>
+            </a:extLst>
+          </p:cNvPr>
+          <p:cNvPicPr>
+            <a:picLocks noChangeAspect="1"/>
+          </p:cNvPicPr>
+          <p:nvPr/>
+        </p:nvPicPr>
+        <p:blipFill rotWithShape="1">
+          <a:blip r:embed="rId3"/>
+          <a:srcRect t="3621"/>
+          <a:stretch/>
+        </p:blipFill>
+        <p:spPr>
+          <a:xfrm>
+            <a:off x="618633" y="1685479"/>
+            <a:ext cx="8454346" cy="4891820"/>
+          </a:xfrm>
+          <a:prstGeom prst="rect">
+            <a:avLst/>
+          </a:prstGeom>
+        </p:spPr>
+      </p:pic>
+    </p:spTree>
+    <p:extLst>
+      <p:ext uri="{BB962C8B-B14F-4D97-AF65-F5344CB8AC3E}">
+        <p14:creationId xmlns:p14="http://schemas.microsoft.com/office/powerpoint/2010/main" val="3990890145"/>
+      </p:ext>
+    </p:extLst>
+  </p:cSld>
+  <p:clrMapOvr>
+    <a:overrideClrMapping bg1="dk1" tx1="lt1" bg2="dk2" tx2="lt2" accent1="accent1" accent2="accent2" accent3="accent3" accent4="accent4" accent5="accent5" accent6="accent6" hlink="hlink" folHlink="folHlink"/>
+  </p:clrMapOvr>
+</p:sld>
+</file>
+
+<file path=ppt/slides/slide7.xml><?xml version="1.0" encoding="utf-8"?>
+<p:sld xmlns:a="http://schemas.openxmlformats.org/drawingml/2006/main" xmlns:r="http://schemas.openxmlformats.org/officeDocument/2006/relationships" xmlns:p="http://schemas.openxmlformats.org/presentationml/2006/main">
+  <p:cSld>
+    <p:bg>
+      <p:bgPr>
+        <a:solidFill>
+          <a:schemeClr val="bg1">
+            <a:tint val="95000"/>
+            <a:satMod val="170000"/>
+          </a:schemeClr>
+        </a:solidFill>
+        <a:effectLst/>
+      </p:bgPr>
+    </p:bg>
+    <p:spTree>
+      <p:nvGrpSpPr>
+        <p:cNvPr id="1" name=""/>
+        <p:cNvGrpSpPr/>
+        <p:nvPr/>
+      </p:nvGrpSpPr>
+      <p:grpSpPr>
+        <a:xfrm>
+          <a:off x="0" y="0"/>
+          <a:ext cx="0" cy="0"/>
+          <a:chOff x="0" y="0"/>
+          <a:chExt cx="0" cy="0"/>
+        </a:xfrm>
+      </p:grpSpPr>
+      <p:sp>
+        <p:nvSpPr>
+          <p:cNvPr id="14" name="Freeform: Shape 7">
+            <a:extLst>
+              <a:ext uri="{FF2B5EF4-FFF2-40B4-BE49-F238E27FC236}">
+                <a16:creationId xmlns:a16="http://schemas.microsoft.com/office/drawing/2014/main" id="{48A740BC-A0AA-45E0-B899-2AE9C6FE11CA}"/>
+              </a:ext>
+              <a:ext uri="{C183D7F6-B498-43B3-948B-1728B52AA6E4}">
+                <adec:decorative xmlns:adec="http://schemas.microsoft.com/office/drawing/2017/decorative" val="1"/>
+              </a:ext>
+            </a:extLst>
+          </p:cNvPr>
+          <p:cNvSpPr>
+            <a:spLocks noGrp="1" noRot="1" noChangeAspect="1" noMove="1" noResize="1" noEditPoints="1" noAdjustHandles="1" noChangeArrowheads="1" noChangeShapeType="1" noTextEdit="1"/>
+          </p:cNvSpPr>
+          <p:nvPr>
+            <p:extLst>
+              <p:ext uri="{386F3935-93C4-4BCD-93E2-E3B085C9AB24}">
+                <p16:designElem xmlns:p16="http://schemas.microsoft.com/office/powerpoint/2015/main" val="1"/>
+              </p:ext>
+            </p:extLst>
+          </p:nvPr>
+        </p:nvSpPr>
+        <p:spPr>
+          <a:xfrm>
+            <a:off x="5913121" y="-2"/>
+            <a:ext cx="6278879" cy="6858002"/>
+          </a:xfrm>
+          <a:custGeom>
+            <a:avLst/>
+            <a:gdLst>
+              <a:gd name="connsiteX0" fmla="*/ 45572 w 6278879"/>
+              <a:gd name="connsiteY0" fmla="*/ 0 h 6858002"/>
+              <a:gd name="connsiteX1" fmla="*/ 6278879 w 6278879"/>
+              <a:gd name="connsiteY1" fmla="*/ 0 h 6858002"/>
+              <a:gd name="connsiteX2" fmla="*/ 6278879 w 6278879"/>
+              <a:gd name="connsiteY2" fmla="*/ 6858002 h 6858002"/>
+              <a:gd name="connsiteX3" fmla="*/ 3292308 w 6278879"/>
+              <a:gd name="connsiteY3" fmla="*/ 6858002 h 6858002"/>
+              <a:gd name="connsiteX4" fmla="*/ 3181526 w 6278879"/>
+              <a:gd name="connsiteY4" fmla="*/ 6786982 h 6858002"/>
+              <a:gd name="connsiteX5" fmla="*/ 0 w 6278879"/>
+              <a:gd name="connsiteY5" fmla="*/ 803254 h 6858002"/>
+              <a:gd name="connsiteX6" fmla="*/ 37255 w 6278879"/>
+              <a:gd name="connsiteY6" fmla="*/ 65447 h 6858002"/>
+            </a:gdLst>
+            <a:ahLst/>
+            <a:cxnLst>
+              <a:cxn ang="0">
+                <a:pos x="connsiteX0" y="connsiteY0"/>
+              </a:cxn>
+              <a:cxn ang="0">
+                <a:pos x="connsiteX1" y="connsiteY1"/>
+              </a:cxn>
+              <a:cxn ang="0">
+                <a:pos x="connsiteX2" y="connsiteY2"/>
+              </a:cxn>
+              <a:cxn ang="0">
+                <a:pos x="connsiteX3" y="connsiteY3"/>
+              </a:cxn>
+              <a:cxn ang="0">
+                <a:pos x="connsiteX4" y="connsiteY4"/>
+              </a:cxn>
+              <a:cxn ang="0">
+                <a:pos x="connsiteX5" y="connsiteY5"/>
+              </a:cxn>
+              <a:cxn ang="0">
+                <a:pos x="connsiteX6" y="connsiteY6"/>
+              </a:cxn>
+            </a:cxnLst>
+            <a:rect l="l" t="t" r="r" b="b"/>
+            <a:pathLst>
+              <a:path w="6278879" h="6858002">
+                <a:moveTo>
+                  <a:pt x="45572" y="0"/>
+                </a:moveTo>
+                <a:lnTo>
+                  <a:pt x="6278879" y="0"/>
+                </a:lnTo>
+                <a:lnTo>
+                  <a:pt x="6278879" y="6858002"/>
+                </a:lnTo>
+                <a:lnTo>
+                  <a:pt x="3292308" y="6858002"/>
+                </a:lnTo>
+                <a:lnTo>
+                  <a:pt x="3181526" y="6786982"/>
+                </a:lnTo>
+                <a:cubicBezTo>
+                  <a:pt x="1262021" y="5490191"/>
+                  <a:pt x="0" y="3294103"/>
+                  <a:pt x="0" y="803254"/>
+                </a:cubicBezTo>
+                <a:cubicBezTo>
+                  <a:pt x="0" y="554169"/>
+                  <a:pt x="12620" y="308032"/>
+                  <a:pt x="37255" y="65447"/>
+                </a:cubicBezTo>
+                <a:close/>
+              </a:path>
+            </a:pathLst>
+          </a:custGeom>
+          <a:solidFill>
+            <a:schemeClr val="bg1">
+              <a:lumMod val="85000"/>
+              <a:lumOff val="15000"/>
+              <a:alpha val="70000"/>
+            </a:schemeClr>
+          </a:solidFill>
+          <a:ln>
+            <a:noFill/>
+          </a:ln>
+        </p:spPr>
+        <p:style>
+          <a:lnRef idx="2">
+            <a:schemeClr val="accent1">
+              <a:shade val="50000"/>
+            </a:schemeClr>
+          </a:lnRef>
+          <a:fillRef idx="1">
+            <a:schemeClr val="accent1"/>
+          </a:fillRef>
+          <a:effectRef idx="0">
+            <a:schemeClr val="accent1"/>
+          </a:effectRef>
+          <a:fontRef idx="minor">
+            <a:schemeClr val="lt1"/>
+          </a:fontRef>
+        </p:style>
+        <p:txBody>
+          <a:bodyPr rtlCol="0" anchor="ctr"/>
+          <a:lstStyle/>
+          <a:p>
+            <a:pPr marL="0" marR="0" lvl="0" indent="0" algn="ctr" defTabSz="914400" rtl="0" eaLnBrk="1" fontAlgn="auto" latinLnBrk="0" hangingPunct="1">
+              <a:lnSpc>
+                <a:spcPct val="100000"/>
+              </a:lnSpc>
+              <a:spcBef>
+                <a:spcPts val="0"/>
+              </a:spcBef>
+              <a:spcAft>
+                <a:spcPts val="0"/>
+              </a:spcAft>
+              <a:buClrTx/>
+              <a:buSzTx/>
+              <a:buFontTx/>
+              <a:buNone/>
+              <a:tabLst/>
+              <a:defRPr/>
+            </a:pPr>
+            <a:endParaRPr kumimoji="0" lang="en-US" sz="1800" b="0" i="0" u="none" strike="noStrike" kern="1200" cap="none" spc="0" normalizeH="0" baseline="0" noProof="0">
+              <a:ln>
+                <a:noFill/>
+              </a:ln>
+              <a:solidFill>
+                <a:prstClr val="white"/>
+              </a:solidFill>
+              <a:effectLst/>
+              <a:uLnTx/>
+              <a:uFillTx/>
+              <a:latin typeface="Calibri" panose="020F0502020204030204"/>
+              <a:ea typeface="+mn-ea"/>
+              <a:cs typeface="+mn-cs"/>
+            </a:endParaRPr>
+          </a:p>
+        </p:txBody>
+      </p:sp>
+      <p:sp>
+        <p:nvSpPr>
+          <p:cNvPr id="2" name="Titel 1">
+            <a:extLst>
+              <a:ext uri="{FF2B5EF4-FFF2-40B4-BE49-F238E27FC236}">
+                <a16:creationId xmlns:a16="http://schemas.microsoft.com/office/drawing/2014/main" id="{66F5E0E2-AC7C-9644-B830-683A73A950B1}"/>
+              </a:ext>
+            </a:extLst>
+          </p:cNvPr>
+          <p:cNvSpPr>
+            <a:spLocks noGrp="1"/>
+          </p:cNvSpPr>
+          <p:nvPr>
+            <p:ph type="title"/>
+          </p:nvPr>
+        </p:nvSpPr>
+        <p:spPr>
+          <a:xfrm>
+            <a:off x="655320" y="365125"/>
+            <a:ext cx="9013052" cy="1065118"/>
+          </a:xfrm>
+        </p:spPr>
+        <p:txBody>
+          <a:bodyPr anchor="b">
+            <a:normAutofit/>
+          </a:bodyPr>
+          <a:lstStyle/>
+          <a:p>
+            <a:r>
+              <a:rPr lang="de-DE" sz="4000" dirty="0"/>
+              <a:t>Prototyp V 1.0</a:t>
+            </a:r>
+          </a:p>
+        </p:txBody>
+      </p:sp>
+      <p:cxnSp>
+        <p:nvCxnSpPr>
+          <p:cNvPr id="15" name="Straight Arrow Connector 9">
+            <a:extLst>
+              <a:ext uri="{FF2B5EF4-FFF2-40B4-BE49-F238E27FC236}">
+                <a16:creationId xmlns:a16="http://schemas.microsoft.com/office/drawing/2014/main" id="{B874EF51-C858-4BB9-97C3-D17755787127}"/>
+              </a:ext>
+              <a:ext uri="{C183D7F6-B498-43B3-948B-1728B52AA6E4}">
+                <adec:decorative xmlns:adec="http://schemas.microsoft.com/office/drawing/2017/decorative" val="1"/>
+              </a:ext>
+            </a:extLst>
+          </p:cNvPr>
+          <p:cNvCxnSpPr>
+            <a:cxnSpLocks noGrp="1" noRot="1" noChangeAspect="1" noMove="1" noResize="1" noEditPoints="1" noAdjustHandles="1" noChangeArrowheads="1" noChangeShapeType="1"/>
+          </p:cNvCxnSpPr>
+          <p:nvPr>
+            <p:extLst>
+              <p:ext uri="{386F3935-93C4-4BCD-93E2-E3B085C9AB24}">
+                <p16:designElem xmlns:p16="http://schemas.microsoft.com/office/powerpoint/2015/main" val="1"/>
+              </p:ext>
+            </p:extLst>
+          </p:nvPr>
+        </p:nvCxnSpPr>
+        <p:spPr>
+          <a:xfrm>
+            <a:off x="763661" y="2316480"/>
+            <a:ext cx="8229600" cy="0"/>
+          </a:xfrm>
+          <a:prstGeom prst="straightConnector1">
+            <a:avLst/>
+          </a:prstGeom>
+          <a:ln w="19050" cap="sq">
+            <a:solidFill>
+              <a:schemeClr val="tx1"/>
+            </a:solidFill>
+            <a:tailEnd type="none"/>
+          </a:ln>
+        </p:spPr>
+        <p:style>
+          <a:lnRef idx="1">
+            <a:schemeClr val="accent1"/>
+          </a:lnRef>
+          <a:fillRef idx="0">
+            <a:schemeClr val="accent1"/>
+          </a:fillRef>
+          <a:effectRef idx="0">
+            <a:schemeClr val="accent1"/>
+          </a:effectRef>
+          <a:fontRef idx="minor">
+            <a:schemeClr val="tx1"/>
+          </a:fontRef>
+        </p:style>
+      </p:cxnSp>
+      <p:pic>
+        <p:nvPicPr>
+          <p:cNvPr id="5" name="Grafik 4" descr="Ein Bild, das Screenshot, Monitor, schwarz, Bildschirm enthält.&#10;&#10;Automatisch generierte Beschreibung">
+            <a:hlinkClick r:id="rId2"/>
+            <a:extLst>
+              <a:ext uri="{FF2B5EF4-FFF2-40B4-BE49-F238E27FC236}">
+                <a16:creationId xmlns:a16="http://schemas.microsoft.com/office/drawing/2014/main" id="{EA4A614B-9318-9049-A581-AFA2BD3D22F0}"/>
+              </a:ext>
+            </a:extLst>
+          </p:cNvPr>
+          <p:cNvPicPr>
+            <a:picLocks noChangeAspect="1"/>
+          </p:cNvPicPr>
+          <p:nvPr/>
+        </p:nvPicPr>
+        <p:blipFill rotWithShape="1">
+          <a:blip r:embed="rId3"/>
+          <a:srcRect t="3621"/>
+          <a:stretch/>
+        </p:blipFill>
+        <p:spPr>
+          <a:xfrm>
+            <a:off x="618633" y="1685479"/>
+            <a:ext cx="8454346" cy="4891820"/>
+          </a:xfrm>
+          <a:prstGeom prst="rect">
+            <a:avLst/>
+          </a:prstGeom>
+        </p:spPr>
+      </p:pic>
+    </p:spTree>
+    <p:extLst>
+      <p:ext uri="{BB962C8B-B14F-4D97-AF65-F5344CB8AC3E}">
+        <p14:creationId xmlns:p14="http://schemas.microsoft.com/office/powerpoint/2010/main" val="4075056052"/>
+      </p:ext>
+    </p:extLst>
+  </p:cSld>
+  <p:clrMapOvr>
+    <a:overrideClrMapping bg1="dk1" tx1="lt1" bg2="dk2" tx2="lt2" accent1="accent1" accent2="accent2" accent3="accent3" accent4="accent4" accent5="accent5" accent6="accent6" hlink="hlink" folHlink="folHlink"/>
+  </p:clrMapOvr>
+</p:sld>
+</file>
+
+<file path=ppt/slides/slide8.xml><?xml version="1.0" encoding="utf-8"?>
+<p:sld xmlns:a="http://schemas.openxmlformats.org/drawingml/2006/main" xmlns:r="http://schemas.openxmlformats.org/officeDocument/2006/relationships" xmlns:p="http://schemas.openxmlformats.org/presentationml/2006/main">
+  <p:cSld>
+    <p:bg>
+      <p:bgPr>
+        <a:solidFill>
+          <a:schemeClr val="bg1">
+            <a:tint val="95000"/>
+            <a:satMod val="170000"/>
+          </a:schemeClr>
+        </a:solidFill>
+        <a:effectLst/>
+      </p:bgPr>
+    </p:bg>
+    <p:spTree>
+      <p:nvGrpSpPr>
+        <p:cNvPr id="1" name=""/>
+        <p:cNvGrpSpPr/>
+        <p:nvPr/>
+      </p:nvGrpSpPr>
+      <p:grpSpPr>
+        <a:xfrm>
+          <a:off x="0" y="0"/>
+          <a:ext cx="0" cy="0"/>
+          <a:chOff x="0" y="0"/>
+          <a:chExt cx="0" cy="0"/>
+        </a:xfrm>
+      </p:grpSpPr>
+      <p:sp>
+        <p:nvSpPr>
+          <p:cNvPr id="38" name="Rectangle 16">
+            <a:extLst>
+              <a:ext uri="{FF2B5EF4-FFF2-40B4-BE49-F238E27FC236}">
+                <a16:creationId xmlns:a16="http://schemas.microsoft.com/office/drawing/2014/main" id="{1E214AA7-F028-4A0D-8698-61AEC754D1BC}"/>
+              </a:ext>
+              <a:ext uri="{C183D7F6-B498-43B3-948B-1728B52AA6E4}">
+                <adec:decorative xmlns:adec="http://schemas.microsoft.com/office/drawing/2017/decorative" val="1"/>
+              </a:ext>
+            </a:extLst>
+          </p:cNvPr>
+          <p:cNvSpPr>
+            <a:spLocks noGrp="1" noRot="1" noChangeAspect="1" noMove="1" noResize="1" noEditPoints="1" noAdjustHandles="1" noChangeArrowheads="1" noChangeShapeType="1" noTextEdit="1"/>
+          </p:cNvSpPr>
+          <p:nvPr>
+            <p:extLst>
+              <p:ext uri="{386F3935-93C4-4BCD-93E2-E3B085C9AB24}">
+                <p16:designElem xmlns:p16="http://schemas.microsoft.com/office/powerpoint/2015/main" val="1"/>
+              </p:ext>
+            </p:extLst>
+          </p:nvPr>
+        </p:nvSpPr>
+        <p:spPr>
+          <a:xfrm>
+            <a:off x="0" y="1"/>
+            <a:ext cx="12192000" cy="1598340"/>
+          </a:xfrm>
+          <a:prstGeom prst="rect">
+            <a:avLst/>
+          </a:prstGeom>
+          <a:solidFill>
+            <a:srgbClr val="595959"/>
+          </a:solidFill>
+          <a:ln>
+            <a:noFill/>
+          </a:ln>
+        </p:spPr>
+        <p:style>
+          <a:lnRef idx="2">
+            <a:schemeClr val="accent1">
+              <a:shade val="50000"/>
+            </a:schemeClr>
+          </a:lnRef>
+          <a:fillRef idx="1">
+            <a:schemeClr val="accent1"/>
+          </a:fillRef>
+          <a:effectRef idx="0">
+            <a:schemeClr val="accent1"/>
+          </a:effectRef>
+          <a:fontRef idx="minor">
+            <a:schemeClr val="lt1"/>
+          </a:fontRef>
+        </p:style>
+        <p:txBody>
+          <a:bodyPr rtlCol="0" anchor="ctr"/>
+          <a:lstStyle/>
+          <a:p>
+            <a:pPr marL="0" marR="0" lvl="0" indent="0" algn="ctr" defTabSz="914400" rtl="0" eaLnBrk="1" fontAlgn="auto" latinLnBrk="0" hangingPunct="1">
+              <a:lnSpc>
+                <a:spcPct val="100000"/>
+              </a:lnSpc>
+              <a:spcBef>
+                <a:spcPts val="0"/>
+              </a:spcBef>
+              <a:spcAft>
+                <a:spcPts val="0"/>
+              </a:spcAft>
+              <a:buClrTx/>
+              <a:buSzTx/>
+              <a:buFontTx/>
+              <a:buNone/>
+              <a:tabLst/>
+              <a:defRPr/>
+            </a:pPr>
+            <a:endParaRPr kumimoji="0" lang="en-US" sz="1800" b="0" i="0" u="none" strike="noStrike" kern="1200" cap="none" spc="0" normalizeH="0" baseline="0" noProof="0">
+              <a:ln>
+                <a:noFill/>
+              </a:ln>
+              <a:solidFill>
+                <a:prstClr val="white"/>
+              </a:solidFill>
+              <a:effectLst/>
+              <a:uLnTx/>
+              <a:uFillTx/>
+              <a:latin typeface="Calibri" panose="020F0502020204030204"/>
+              <a:ea typeface="+mn-ea"/>
+              <a:cs typeface="+mn-cs"/>
+            </a:endParaRPr>
+          </a:p>
+        </p:txBody>
+      </p:sp>
+      <p:sp>
+        <p:nvSpPr>
+          <p:cNvPr id="2" name="Titel 1">
+            <a:extLst>
+              <a:ext uri="{FF2B5EF4-FFF2-40B4-BE49-F238E27FC236}">
                 <a16:creationId xmlns:a16="http://schemas.microsoft.com/office/drawing/2014/main" id="{0C740ADE-75B4-E44D-8657-4865247756F1}"/>
               </a:ext>
             </a:extLst>
@@ -3594,13 +6938,36 @@
             <p:ph type="title"/>
           </p:nvPr>
         </p:nvSpPr>
-        <p:spPr/>
-        <p:txBody>
-          <a:bodyPr/>
-          <a:lstStyle/>
-          <a:p>
-            <a:r>
-              <a:rPr lang="de-DE" dirty="0"/>
+        <p:spPr>
+          <a:xfrm>
+            <a:off x="1159933" y="995318"/>
+            <a:ext cx="9872134" cy="1193968"/>
+          </a:xfrm>
+          <a:solidFill>
+            <a:schemeClr val="bg1">
+              <a:lumMod val="65000"/>
+              <a:lumOff val="35000"/>
+            </a:schemeClr>
+          </a:solidFill>
+          <a:ln w="38100">
+            <a:solidFill>
+              <a:schemeClr val="bg1">
+                <a:lumMod val="75000"/>
+                <a:lumOff val="25000"/>
+              </a:schemeClr>
+            </a:solidFill>
+            <a:miter lim="800000"/>
+          </a:ln>
+        </p:spPr>
+        <p:txBody>
+          <a:bodyPr>
+            <a:normAutofit/>
+          </a:bodyPr>
+          <a:lstStyle/>
+          <a:p>
+            <a:pPr algn="ctr"/>
+            <a:r>
+              <a:rPr lang="de-DE" sz="3600" dirty="0"/>
               <a:t>Unsere Erfahrung</a:t>
             </a:r>
           </a:p>
@@ -3608,26 +6975,139 @@
       </p:sp>
       <p:sp>
         <p:nvSpPr>
-          <p:cNvPr id="3" name="Inhaltsplatzhalter 2">
-            <a:extLst>
-              <a:ext uri="{FF2B5EF4-FFF2-40B4-BE49-F238E27FC236}">
-                <a16:creationId xmlns:a16="http://schemas.microsoft.com/office/drawing/2014/main" id="{8875502A-E14E-1C45-93AB-B6FFD0454359}"/>
-              </a:ext>
-            </a:extLst>
-          </p:cNvPr>
-          <p:cNvSpPr>
-            <a:spLocks noGrp="1"/>
-          </p:cNvSpPr>
-          <p:nvPr>
-            <p:ph idx="1"/>
-          </p:nvPr>
-        </p:nvSpPr>
-        <p:spPr/>
-        <p:txBody>
-          <a:bodyPr/>
-          <a:lstStyle/>
-          <a:p>
-            <a:endParaRPr lang="de-DE"/>
+          <p:cNvPr id="4" name="Inhaltsplatzhalter 3">
+            <a:extLst>
+              <a:ext uri="{FF2B5EF4-FFF2-40B4-BE49-F238E27FC236}">
+                <a16:creationId xmlns:a16="http://schemas.microsoft.com/office/drawing/2014/main" id="{73A5CB46-7993-7F4E-8F16-F835845BDBFC}"/>
+              </a:ext>
+            </a:extLst>
+          </p:cNvPr>
+          <p:cNvSpPr>
+            <a:spLocks noGrp="1"/>
+          </p:cNvSpPr>
+          <p:nvPr>
+            <p:ph sz="half" idx="1"/>
+          </p:nvPr>
+        </p:nvSpPr>
+        <p:spPr>
+          <a:xfrm>
+            <a:off x="1476915" y="2888250"/>
+            <a:ext cx="4297351" cy="2959777"/>
+          </a:xfrm>
+        </p:spPr>
+        <p:txBody>
+          <a:bodyPr anchor="t">
+            <a:normAutofit/>
+          </a:bodyPr>
+          <a:lstStyle/>
+          <a:p>
+            <a:r>
+              <a:rPr lang="de-DE" sz="2000" u="sng" dirty="0">
+                <a:solidFill>
+                  <a:srgbClr val="00B050"/>
+                </a:solidFill>
+              </a:rPr>
+              <a:t>Positiv</a:t>
+            </a:r>
+          </a:p>
+          <a:p>
+            <a:pPr lvl="1"/>
+            <a:endParaRPr lang="de-DE" sz="1600" u="sng" dirty="0">
+              <a:solidFill>
+                <a:srgbClr val="00B050"/>
+              </a:solidFill>
+            </a:endParaRPr>
+          </a:p>
+        </p:txBody>
+      </p:sp>
+      <p:cxnSp>
+        <p:nvCxnSpPr>
+          <p:cNvPr id="39" name="Straight Connector 18">
+            <a:extLst>
+              <a:ext uri="{FF2B5EF4-FFF2-40B4-BE49-F238E27FC236}">
+                <a16:creationId xmlns:a16="http://schemas.microsoft.com/office/drawing/2014/main" id="{D6206FDC-2777-4D7F-AF9C-73413DA664C9}"/>
+              </a:ext>
+              <a:ext uri="{C183D7F6-B498-43B3-948B-1728B52AA6E4}">
+                <adec:decorative xmlns:adec="http://schemas.microsoft.com/office/drawing/2017/decorative" val="1"/>
+              </a:ext>
+            </a:extLst>
+          </p:cNvPr>
+          <p:cNvCxnSpPr>
+            <a:cxnSpLocks noGrp="1" noRot="1" noChangeAspect="1" noMove="1" noResize="1" noEditPoints="1" noAdjustHandles="1" noChangeArrowheads="1" noChangeShapeType="1"/>
+          </p:cNvCxnSpPr>
+          <p:nvPr>
+            <p:extLst>
+              <p:ext uri="{386F3935-93C4-4BCD-93E2-E3B085C9AB24}">
+                <p16:designElem xmlns:p16="http://schemas.microsoft.com/office/powerpoint/2015/main" val="1"/>
+              </p:ext>
+            </p:extLst>
+          </p:nvPr>
+        </p:nvCxnSpPr>
+        <p:spPr>
+          <a:xfrm>
+            <a:off x="6096000" y="2888250"/>
+            <a:ext cx="0" cy="2769135"/>
+          </a:xfrm>
+          <a:prstGeom prst="line">
+            <a:avLst/>
+          </a:prstGeom>
+          <a:ln w="19050">
+            <a:solidFill>
+              <a:srgbClr val="7F7F7F"/>
+            </a:solidFill>
+          </a:ln>
+        </p:spPr>
+        <p:style>
+          <a:lnRef idx="1">
+            <a:schemeClr val="accent1"/>
+          </a:lnRef>
+          <a:fillRef idx="0">
+            <a:schemeClr val="accent1"/>
+          </a:fillRef>
+          <a:effectRef idx="0">
+            <a:schemeClr val="accent1"/>
+          </a:effectRef>
+          <a:fontRef idx="minor">
+            <a:schemeClr val="tx1"/>
+          </a:fontRef>
+        </p:style>
+      </p:cxnSp>
+      <p:sp>
+        <p:nvSpPr>
+          <p:cNvPr id="5" name="Inhaltsplatzhalter 4">
+            <a:extLst>
+              <a:ext uri="{FF2B5EF4-FFF2-40B4-BE49-F238E27FC236}">
+                <a16:creationId xmlns:a16="http://schemas.microsoft.com/office/drawing/2014/main" id="{FC40611D-3C81-6B4C-BF02-19166AE6BADF}"/>
+              </a:ext>
+            </a:extLst>
+          </p:cNvPr>
+          <p:cNvSpPr>
+            <a:spLocks noGrp="1"/>
+          </p:cNvSpPr>
+          <p:nvPr>
+            <p:ph sz="half" idx="2"/>
+          </p:nvPr>
+        </p:nvSpPr>
+        <p:spPr>
+          <a:xfrm>
+            <a:off x="6417731" y="2888250"/>
+            <a:ext cx="4292594" cy="2959778"/>
+          </a:xfrm>
+        </p:spPr>
+        <p:txBody>
+          <a:bodyPr anchor="t">
+            <a:normAutofit/>
+          </a:bodyPr>
+          <a:lstStyle/>
+          <a:p>
+            <a:r>
+              <a:rPr lang="de-DE" sz="2000" u="sng" dirty="0">
+                <a:solidFill>
+                  <a:srgbClr val="FF0000"/>
+                </a:solidFill>
+              </a:rPr>
+              <a:t>Negativ</a:t>
+            </a:r>
           </a:p>
         </p:txBody>
       </p:sp>
@@ -3639,7 +7119,7 @@
     </p:extLst>
   </p:cSld>
   <p:clrMapOvr>
-    <a:masterClrMapping/>
+    <a:overrideClrMapping bg1="dk1" tx1="lt1" bg2="dk2" tx2="lt2" accent1="accent1" accent2="accent2" accent3="accent3" accent4="accent4" accent5="accent5" accent6="accent6" hlink="hlink" folHlink="folHlink"/>
   </p:clrMapOvr>
 </p:sld>
 </file>
